--- a/docs/스크립트언어_텀프로젝트_중간발표.pptx
+++ b/docs/스크립트언어_텀프로젝트_중간발표.pptx
@@ -5,11 +5,12 @@
     <p:sldMasterId id="2147483648" r:id="rId1"/>
   </p:sldMasterIdLst>
   <p:notesMasterIdLst>
-    <p:notesMasterId r:id="rId4"/>
+    <p:notesMasterId r:id="rId5"/>
   </p:notesMasterIdLst>
   <p:sldIdLst>
     <p:sldId id="257" r:id="rId2"/>
     <p:sldId id="258" r:id="rId3"/>
+    <p:sldId id="263" r:id="rId4"/>
   </p:sldIdLst>
   <p:sldSz cx="12192000" cy="6858000"/>
   <p:notesSz cx="6858000" cy="9144000"/>
@@ -108,6 +109,11 @@
       </a:defRPr>
     </a:lvl9pPr>
   </p:defaultTextStyle>
+  <p:extLst>
+    <p:ext uri="{EFAFB233-063F-42B5-8137-9DF3F51BA10A}">
+      <p15:sldGuideLst xmlns:p15="http://schemas.microsoft.com/office/powerpoint/2012/main"/>
+    </p:ext>
+  </p:extLst>
 </p:presentation>
 </file>
 
@@ -546,6 +552,270 @@
     <p:extLst>
       <p:ext uri="{BB962C8B-B14F-4D97-AF65-F5344CB8AC3E}">
         <p14:creationId xmlns:p14="http://schemas.microsoft.com/office/powerpoint/2010/main" val="920910435"/>
+      </p:ext>
+    </p:extLst>
+  </p:cSld>
+  <p:clrMapOvr>
+    <a:masterClrMapping/>
+  </p:clrMapOvr>
+</p:notes>
+</file>
+
+<file path=ppt/notesSlides/notesSlide2.xml><?xml version="1.0" encoding="utf-8"?>
+<p:notes xmlns:a="http://schemas.openxmlformats.org/drawingml/2006/main" xmlns:r="http://schemas.openxmlformats.org/officeDocument/2006/relationships" xmlns:p="http://schemas.openxmlformats.org/presentationml/2006/main">
+  <p:cSld>
+    <p:spTree>
+      <p:nvGrpSpPr>
+        <p:cNvPr id="1" name=""/>
+        <p:cNvGrpSpPr/>
+        <p:nvPr/>
+      </p:nvGrpSpPr>
+      <p:grpSpPr>
+        <a:xfrm>
+          <a:off x="0" y="0"/>
+          <a:ext cx="0" cy="0"/>
+          <a:chOff x="0" y="0"/>
+          <a:chExt cx="0" cy="0"/>
+        </a:xfrm>
+      </p:grpSpPr>
+      <p:sp>
+        <p:nvSpPr>
+          <p:cNvPr id="2" name="슬라이드 이미지 개체 틀 1"/>
+          <p:cNvSpPr>
+            <a:spLocks noGrp="1" noRot="1" noChangeAspect="1"/>
+          </p:cNvSpPr>
+          <p:nvPr>
+            <p:ph type="sldImg"/>
+          </p:nvPr>
+        </p:nvSpPr>
+        <p:spPr/>
+      </p:sp>
+      <p:sp>
+        <p:nvSpPr>
+          <p:cNvPr id="3" name="슬라이드 노트 개체 틀 2"/>
+          <p:cNvSpPr>
+            <a:spLocks noGrp="1"/>
+          </p:cNvSpPr>
+          <p:nvPr>
+            <p:ph type="body" idx="1"/>
+          </p:nvPr>
+        </p:nvSpPr>
+        <p:spPr/>
+        <p:txBody>
+          <a:bodyPr/>
+          <a:lstStyle/>
+          <a:p>
+            <a:r>
+              <a:rPr lang="ko-KR" altLang="en-US" dirty="0"/>
+              <a:t>개발 일정은 다음과 같습니다</a:t>
+            </a:r>
+            <a:endParaRPr lang="en-US" altLang="ko-KR" dirty="0"/>
+          </a:p>
+          <a:p>
+            <a:r>
+              <a:rPr lang="en-US" altLang="ko-KR" dirty="0"/>
+              <a:t>1</a:t>
+            </a:r>
+            <a:r>
+              <a:rPr lang="ko-KR" altLang="en-US" dirty="0"/>
+              <a:t>주차는 </a:t>
+            </a:r>
+            <a:r>
+              <a:rPr lang="en-US" altLang="ko-KR" dirty="0"/>
+              <a:t>GUI</a:t>
+            </a:r>
+            <a:r>
+              <a:rPr lang="ko-KR" altLang="en-US" dirty="0" err="1"/>
+              <a:t>배치랑</a:t>
+            </a:r>
+            <a:r>
+              <a:rPr lang="ko-KR" altLang="en-US" dirty="0"/>
+              <a:t> </a:t>
+            </a:r>
+            <a:r>
+              <a:rPr lang="en-US" altLang="ko-KR" dirty="0" err="1"/>
+              <a:t>api</a:t>
+            </a:r>
+            <a:r>
+              <a:rPr lang="ko-KR" altLang="en-US" dirty="0"/>
+              <a:t>호출을 구현하고</a:t>
+            </a:r>
+            <a:endParaRPr lang="en-US" altLang="ko-KR" dirty="0"/>
+          </a:p>
+          <a:p>
+            <a:r>
+              <a:rPr lang="en-US" altLang="ko-KR" dirty="0"/>
+              <a:t>2</a:t>
+            </a:r>
+            <a:r>
+              <a:rPr lang="ko-KR" altLang="en-US" dirty="0"/>
+              <a:t>주차에는 </a:t>
+            </a:r>
+            <a:r>
+              <a:rPr lang="en-US" altLang="ko-KR" dirty="0"/>
+              <a:t>API</a:t>
+            </a:r>
+            <a:r>
+              <a:rPr lang="ko-KR" altLang="en-US" dirty="0"/>
+              <a:t>호출 결과를 그래프로 표시하고 </a:t>
+            </a:r>
+            <a:r>
+              <a:rPr lang="ko-KR" altLang="en-US" dirty="0" err="1"/>
+              <a:t>즐겨찾기랑</a:t>
+            </a:r>
+            <a:r>
+              <a:rPr lang="ko-KR" altLang="en-US" dirty="0"/>
+              <a:t> 검색기록</a:t>
+            </a:r>
+            <a:r>
+              <a:rPr lang="en-US" altLang="ko-KR" dirty="0"/>
+              <a:t> </a:t>
+            </a:r>
+            <a:r>
+              <a:rPr lang="ko-KR" altLang="en-US" dirty="0"/>
+              <a:t>기능을 만들고</a:t>
+            </a:r>
+            <a:endParaRPr lang="en-US" altLang="ko-KR" dirty="0"/>
+          </a:p>
+          <a:p>
+            <a:r>
+              <a:rPr lang="en-US" altLang="ko-KR" dirty="0"/>
+              <a:t>3</a:t>
+            </a:r>
+            <a:r>
+              <a:rPr lang="ko-KR" altLang="en-US" dirty="0"/>
+              <a:t>주차에는 지도를 구현하고 그 지도에 충전소 </a:t>
+            </a:r>
+            <a:r>
+              <a:rPr lang="ko-KR" altLang="en-US" dirty="0" err="1"/>
+              <a:t>위치표시랑</a:t>
+            </a:r>
+            <a:r>
+              <a:rPr lang="en-US" altLang="ko-KR" dirty="0"/>
+              <a:t> </a:t>
+            </a:r>
+            <a:r>
+              <a:rPr lang="ko-KR" altLang="en-US" dirty="0"/>
+              <a:t>충전소 </a:t>
+            </a:r>
+            <a:r>
+              <a:rPr lang="ko-KR" altLang="en-US" dirty="0" err="1"/>
+              <a:t>클릭시</a:t>
+            </a:r>
+            <a:r>
+              <a:rPr lang="ko-KR" altLang="en-US" dirty="0"/>
+              <a:t> 상세정보 출력까지 구현할 예정입니다</a:t>
+            </a:r>
+            <a:r>
+              <a:rPr lang="en-US" altLang="ko-KR" dirty="0"/>
+              <a:t>.</a:t>
+            </a:r>
+          </a:p>
+          <a:p>
+            <a:r>
+              <a:rPr lang="en-US" altLang="ko-KR" dirty="0"/>
+              <a:t>4</a:t>
+            </a:r>
+            <a:r>
+              <a:rPr lang="ko-KR" altLang="en-US" dirty="0"/>
+              <a:t>주차에는 </a:t>
+            </a:r>
+            <a:r>
+              <a:rPr lang="ko-KR" altLang="en-US" dirty="0" err="1"/>
+              <a:t>이메일기능이랑</a:t>
+            </a:r>
+            <a:r>
+              <a:rPr lang="ko-KR" altLang="en-US" dirty="0"/>
+              <a:t> </a:t>
+            </a:r>
+            <a:r>
+              <a:rPr lang="en-US" altLang="ko-KR" dirty="0" err="1"/>
+              <a:t>Tkinter</a:t>
+            </a:r>
+            <a:r>
+              <a:rPr lang="ko-KR" altLang="en-US" dirty="0"/>
+              <a:t>노트북으로 충전기 정보 </a:t>
+            </a:r>
+            <a:r>
+              <a:rPr lang="ko-KR" altLang="en-US" dirty="0" err="1"/>
+              <a:t>표시할수있도록</a:t>
+            </a:r>
+            <a:r>
+              <a:rPr lang="ko-KR" altLang="en-US" dirty="0"/>
+              <a:t> 하고</a:t>
+            </a:r>
+            <a:endParaRPr lang="en-US" altLang="ko-KR" dirty="0"/>
+          </a:p>
+          <a:p>
+            <a:r>
+              <a:rPr lang="en-US" altLang="ko-KR" dirty="0"/>
+              <a:t>5</a:t>
+            </a:r>
+            <a:r>
+              <a:rPr lang="ko-KR" altLang="en-US" dirty="0"/>
+              <a:t>주차에는 못다한 작업 </a:t>
+            </a:r>
+            <a:r>
+              <a:rPr lang="ko-KR" altLang="en-US" dirty="0" err="1"/>
+              <a:t>마무리랑</a:t>
+            </a:r>
+            <a:r>
+              <a:rPr lang="ko-KR" altLang="en-US" dirty="0"/>
+              <a:t> 필요하다면 새로운 기능까지 추가 해서 개발을 </a:t>
+            </a:r>
+            <a:r>
+              <a:rPr lang="ko-KR" altLang="en-US" dirty="0" err="1"/>
+              <a:t>완료할수</a:t>
+            </a:r>
+            <a:r>
+              <a:rPr lang="ko-KR" altLang="en-US" dirty="0"/>
+              <a:t> 있도록 할 예정입니다</a:t>
+            </a:r>
+            <a:r>
+              <a:rPr lang="en-US" altLang="ko-KR" dirty="0"/>
+              <a:t>.</a:t>
+            </a:r>
+          </a:p>
+          <a:p>
+            <a:r>
+              <a:rPr lang="ko-KR" altLang="en-US" dirty="0"/>
+              <a:t>이상으로 기획발표 마치겠습니다</a:t>
+            </a:r>
+            <a:r>
+              <a:rPr lang="en-US" altLang="ko-KR"/>
+              <a:t>.</a:t>
+            </a:r>
+            <a:endParaRPr lang="ko-KR" altLang="en-US" dirty="0"/>
+          </a:p>
+        </p:txBody>
+      </p:sp>
+      <p:sp>
+        <p:nvSpPr>
+          <p:cNvPr id="4" name="슬라이드 번호 개체 틀 3"/>
+          <p:cNvSpPr>
+            <a:spLocks noGrp="1"/>
+          </p:cNvSpPr>
+          <p:nvPr>
+            <p:ph type="sldNum" sz="quarter" idx="5"/>
+          </p:nvPr>
+        </p:nvSpPr>
+        <p:spPr/>
+        <p:txBody>
+          <a:bodyPr/>
+          <a:lstStyle/>
+          <a:p>
+            <a:fld id="{21B3824B-640F-4EC8-9F9A-0A22BE5F8C36}" type="slidenum">
+              <a:rPr lang="ko-KR" altLang="en-US" smtClean="0"/>
+              <a:t>3</a:t>
+            </a:fld>
+            <a:endParaRPr lang="ko-KR" altLang="en-US"/>
+          </a:p>
+        </p:txBody>
+      </p:sp>
+    </p:spTree>
+    <p:extLst>
+      <p:ext uri="{BB962C8B-B14F-4D97-AF65-F5344CB8AC3E}">
+        <p14:creationId xmlns:p14="http://schemas.microsoft.com/office/powerpoint/2010/main" val="926786925"/>
       </p:ext>
     </p:extLst>
   </p:cSld>
@@ -3927,7 +4197,7 @@
           <a:p>
             <a:r>
               <a:rPr lang="ko-KR" altLang="en-US" dirty="0"/>
-              <a:t>진행상황</a:t>
+              <a:t>개발진행상황</a:t>
             </a:r>
             <a:endParaRPr lang="en-US" altLang="ko-KR" dirty="0"/>
           </a:p>
@@ -3939,6 +4209,13 @@
             <a:r>
               <a:rPr lang="ko-KR" altLang="en-US" dirty="0"/>
               <a:t> 통계</a:t>
+            </a:r>
+            <a:endParaRPr lang="en-US" altLang="ko-KR" dirty="0"/>
+          </a:p>
+          <a:p>
+            <a:r>
+              <a:rPr lang="ko-KR" altLang="en-US" dirty="0"/>
+              <a:t>개발일정</a:t>
             </a:r>
             <a:endParaRPr lang="en-US" altLang="ko-KR" dirty="0"/>
           </a:p>
@@ -3954,6 +4231,657 @@
     <p:extLst>
       <p:ext uri="{BB962C8B-B14F-4D97-AF65-F5344CB8AC3E}">
         <p14:creationId xmlns:p14="http://schemas.microsoft.com/office/powerpoint/2010/main" val="4216905666"/>
+      </p:ext>
+    </p:extLst>
+  </p:cSld>
+  <p:clrMapOvr>
+    <a:masterClrMapping/>
+  </p:clrMapOvr>
+</p:sld>
+</file>
+
+<file path=ppt/slides/slide3.xml><?xml version="1.0" encoding="utf-8"?>
+<p:sld xmlns:a="http://schemas.openxmlformats.org/drawingml/2006/main" xmlns:r="http://schemas.openxmlformats.org/officeDocument/2006/relationships" xmlns:p="http://schemas.openxmlformats.org/presentationml/2006/main">
+  <p:cSld>
+    <p:spTree>
+      <p:nvGrpSpPr>
+        <p:cNvPr id="1" name=""/>
+        <p:cNvGrpSpPr/>
+        <p:nvPr/>
+      </p:nvGrpSpPr>
+      <p:grpSpPr>
+        <a:xfrm>
+          <a:off x="0" y="0"/>
+          <a:ext cx="0" cy="0"/>
+          <a:chOff x="0" y="0"/>
+          <a:chExt cx="0" cy="0"/>
+        </a:xfrm>
+      </p:grpSpPr>
+      <p:sp>
+        <p:nvSpPr>
+          <p:cNvPr id="2" name="제목 1">
+            <a:extLst>
+              <a:ext uri="{FF2B5EF4-FFF2-40B4-BE49-F238E27FC236}">
+                <a16:creationId xmlns:a16="http://schemas.microsoft.com/office/drawing/2014/main" id="{449E2F91-BC41-D362-2E01-338079967FD0}"/>
+              </a:ext>
+            </a:extLst>
+          </p:cNvPr>
+          <p:cNvSpPr>
+            <a:spLocks noGrp="1"/>
+          </p:cNvSpPr>
+          <p:nvPr>
+            <p:ph type="title"/>
+          </p:nvPr>
+        </p:nvSpPr>
+        <p:spPr/>
+        <p:txBody>
+          <a:bodyPr/>
+          <a:lstStyle/>
+          <a:p>
+            <a:r>
+              <a:rPr lang="ko-KR" altLang="en-US"/>
+              <a:t>개발진행상황</a:t>
+            </a:r>
+            <a:endParaRPr lang="ko-KR" altLang="en-US" dirty="0"/>
+          </a:p>
+        </p:txBody>
+      </p:sp>
+      <p:graphicFrame>
+        <p:nvGraphicFramePr>
+          <p:cNvPr id="5" name="내용 개체 틀 4">
+            <a:extLst>
+              <a:ext uri="{FF2B5EF4-FFF2-40B4-BE49-F238E27FC236}">
+                <a16:creationId xmlns:a16="http://schemas.microsoft.com/office/drawing/2014/main" id="{FE04C462-0DA4-54DC-505E-EDA6C5CEBA93}"/>
+              </a:ext>
+            </a:extLst>
+          </p:cNvPr>
+          <p:cNvGraphicFramePr>
+            <a:graphicFrameLocks noGrp="1"/>
+          </p:cNvGraphicFramePr>
+          <p:nvPr>
+            <p:ph idx="1"/>
+            <p:extLst>
+              <p:ext uri="{D42A27DB-BD31-4B8C-83A1-F6EECF244321}">
+                <p14:modId xmlns:p14="http://schemas.microsoft.com/office/powerpoint/2010/main" val="11784161"/>
+              </p:ext>
+            </p:extLst>
+          </p:nvPr>
+        </p:nvGraphicFramePr>
+        <p:xfrm>
+          <a:off x="838200" y="1825625"/>
+          <a:ext cx="10515596" cy="4179950"/>
+        </p:xfrm>
+        <a:graphic>
+          <a:graphicData uri="http://schemas.openxmlformats.org/drawingml/2006/table">
+            <a:tbl>
+              <a:tblPr firstRow="1" bandRow="1">
+                <a:tableStyleId>{5C22544A-7EE6-4342-B048-85BDC9FD1C3A}</a:tableStyleId>
+              </a:tblPr>
+              <a:tblGrid>
+                <a:gridCol w="818766">
+                  <a:extLst>
+                    <a:ext uri="{9D8B030D-6E8A-4147-A177-3AD203B41FA5}">
+                      <a16:colId xmlns:a16="http://schemas.microsoft.com/office/drawing/2014/main" val="493387520"/>
+                    </a:ext>
+                  </a:extLst>
+                </a:gridCol>
+                <a:gridCol w="2282932">
+                  <a:extLst>
+                    <a:ext uri="{9D8B030D-6E8A-4147-A177-3AD203B41FA5}">
+                      <a16:colId xmlns:a16="http://schemas.microsoft.com/office/drawing/2014/main" val="3028026433"/>
+                    </a:ext>
+                  </a:extLst>
+                </a:gridCol>
+                <a:gridCol w="5952805">
+                  <a:extLst>
+                    <a:ext uri="{9D8B030D-6E8A-4147-A177-3AD203B41FA5}">
+                      <a16:colId xmlns:a16="http://schemas.microsoft.com/office/drawing/2014/main" val="2814068672"/>
+                    </a:ext>
+                  </a:extLst>
+                </a:gridCol>
+                <a:gridCol w="1461093">
+                  <a:extLst>
+                    <a:ext uri="{9D8B030D-6E8A-4147-A177-3AD203B41FA5}">
+                      <a16:colId xmlns:a16="http://schemas.microsoft.com/office/drawing/2014/main" val="92929503"/>
+                    </a:ext>
+                  </a:extLst>
+                </a:gridCol>
+              </a:tblGrid>
+              <a:tr h="477825">
+                <a:tc>
+                  <a:txBody>
+                    <a:bodyPr/>
+                    <a:lstStyle/>
+                    <a:p>
+                      <a:pPr algn="ctr" latinLnBrk="1"/>
+                      <a:r>
+                        <a:rPr lang="ko-KR" altLang="en-US" dirty="0"/>
+                        <a:t>주차</a:t>
+                      </a:r>
+                    </a:p>
+                  </a:txBody>
+                  <a:tcPr/>
+                </a:tc>
+                <a:tc>
+                  <a:txBody>
+                    <a:bodyPr/>
+                    <a:lstStyle/>
+                    <a:p>
+                      <a:pPr algn="ctr" latinLnBrk="1"/>
+                      <a:r>
+                        <a:rPr lang="ko-KR" altLang="en-US" dirty="0"/>
+                        <a:t>계획</a:t>
+                      </a:r>
+                    </a:p>
+                  </a:txBody>
+                  <a:tcPr/>
+                </a:tc>
+                <a:tc>
+                  <a:txBody>
+                    <a:bodyPr/>
+                    <a:lstStyle/>
+                    <a:p>
+                      <a:pPr algn="ctr" latinLnBrk="1"/>
+                      <a:r>
+                        <a:rPr lang="ko-KR" altLang="en-US" dirty="0"/>
+                        <a:t>내용</a:t>
+                      </a:r>
+                    </a:p>
+                  </a:txBody>
+                  <a:tcPr/>
+                </a:tc>
+                <a:tc>
+                  <a:txBody>
+                    <a:bodyPr/>
+                    <a:lstStyle/>
+                    <a:p>
+                      <a:pPr algn="ctr" latinLnBrk="1"/>
+                      <a:r>
+                        <a:rPr lang="ko-KR" altLang="en-US" dirty="0"/>
+                        <a:t>진행도</a:t>
+                      </a:r>
+                    </a:p>
+                  </a:txBody>
+                  <a:tcPr/>
+                </a:tc>
+                <a:extLst>
+                  <a:ext uri="{0D108BD9-81ED-4DB2-BD59-A6C34878D82A}">
+                    <a16:rowId xmlns:a16="http://schemas.microsoft.com/office/drawing/2014/main" val="2227485383"/>
+                  </a:ext>
+                </a:extLst>
+              </a:tr>
+              <a:tr h="740425">
+                <a:tc>
+                  <a:txBody>
+                    <a:bodyPr/>
+                    <a:lstStyle/>
+                    <a:p>
+                      <a:pPr algn="ctr" latinLnBrk="1"/>
+                      <a:r>
+                        <a:rPr lang="en-US" altLang="ko-KR" dirty="0"/>
+                        <a:t>1</a:t>
+                      </a:r>
+                      <a:r>
+                        <a:rPr lang="ko-KR" altLang="en-US" dirty="0"/>
+                        <a:t>주차</a:t>
+                      </a:r>
+                    </a:p>
+                  </a:txBody>
+                  <a:tcPr/>
+                </a:tc>
+                <a:tc>
+                  <a:txBody>
+                    <a:bodyPr/>
+                    <a:lstStyle/>
+                    <a:p>
+                      <a:pPr algn="ctr" latinLnBrk="1"/>
+                      <a:r>
+                        <a:rPr lang="en-US" altLang="ko-KR" dirty="0"/>
+                        <a:t>GUI </a:t>
+                      </a:r>
+                      <a:r>
+                        <a:rPr lang="ko-KR" altLang="en-US" dirty="0"/>
+                        <a:t>배치</a:t>
+                      </a:r>
+                      <a:endParaRPr lang="en-US" altLang="ko-KR" dirty="0"/>
+                    </a:p>
+                    <a:p>
+                      <a:pPr algn="ctr" latinLnBrk="1"/>
+                      <a:r>
+                        <a:rPr lang="en-US" altLang="ko-KR" dirty="0"/>
+                        <a:t>API</a:t>
+                      </a:r>
+                      <a:r>
+                        <a:rPr lang="ko-KR" altLang="en-US" dirty="0"/>
+                        <a:t>호출</a:t>
+                      </a:r>
+                      <a:endParaRPr lang="en-US" altLang="ko-KR" dirty="0"/>
+                    </a:p>
+                  </a:txBody>
+                  <a:tcPr/>
+                </a:tc>
+                <a:tc>
+                  <a:txBody>
+                    <a:bodyPr/>
+                    <a:lstStyle/>
+                    <a:p>
+                      <a:pPr latinLnBrk="1"/>
+                      <a:r>
+                        <a:rPr lang="ko-KR" altLang="en-US" dirty="0"/>
+                        <a:t>버튼</a:t>
+                      </a:r>
+                      <a:r>
+                        <a:rPr lang="en-US" altLang="ko-KR" dirty="0"/>
+                        <a:t>, </a:t>
+                      </a:r>
+                      <a:r>
+                        <a:rPr lang="ko-KR" altLang="en-US" dirty="0"/>
+                        <a:t>지도</a:t>
+                      </a:r>
+                      <a:r>
+                        <a:rPr lang="en-US" altLang="ko-KR" dirty="0"/>
+                        <a:t>, </a:t>
+                      </a:r>
+                      <a:r>
+                        <a:rPr lang="ko-KR" altLang="en-US" dirty="0"/>
+                        <a:t>그래프 등 대략적인 배치</a:t>
+                      </a:r>
+                    </a:p>
+                  </a:txBody>
+                  <a:tcPr/>
+                </a:tc>
+                <a:tc>
+                  <a:txBody>
+                    <a:bodyPr/>
+                    <a:lstStyle/>
+                    <a:p>
+                      <a:pPr algn="ctr" latinLnBrk="1"/>
+                      <a:r>
+                        <a:rPr lang="en-US" altLang="ko-KR" b="1" dirty="0"/>
+                        <a:t>100%</a:t>
+                      </a:r>
+                      <a:endParaRPr lang="ko-KR" altLang="en-US" b="1" dirty="0"/>
+                    </a:p>
+                  </a:txBody>
+                  <a:tcPr/>
+                </a:tc>
+                <a:extLst>
+                  <a:ext uri="{0D108BD9-81ED-4DB2-BD59-A6C34878D82A}">
+                    <a16:rowId xmlns:a16="http://schemas.microsoft.com/office/drawing/2014/main" val="153889927"/>
+                  </a:ext>
+                </a:extLst>
+              </a:tr>
+              <a:tr h="740425">
+                <a:tc>
+                  <a:txBody>
+                    <a:bodyPr/>
+                    <a:lstStyle/>
+                    <a:p>
+                      <a:pPr algn="ctr" latinLnBrk="1"/>
+                      <a:r>
+                        <a:rPr lang="en-US" altLang="ko-KR" dirty="0"/>
+                        <a:t>2</a:t>
+                      </a:r>
+                      <a:r>
+                        <a:rPr lang="ko-KR" altLang="en-US" dirty="0"/>
+                        <a:t>주차</a:t>
+                      </a:r>
+                    </a:p>
+                  </a:txBody>
+                  <a:tcPr/>
+                </a:tc>
+                <a:tc>
+                  <a:txBody>
+                    <a:bodyPr/>
+                    <a:lstStyle/>
+                    <a:p>
+                      <a:pPr algn="ctr" latinLnBrk="1"/>
+                      <a:r>
+                        <a:rPr lang="ko-KR" altLang="en-US" dirty="0"/>
+                        <a:t>그래프</a:t>
+                      </a:r>
+                      <a:endParaRPr lang="en-US" altLang="ko-KR" dirty="0"/>
+                    </a:p>
+                    <a:p>
+                      <a:pPr algn="ctr" latinLnBrk="1"/>
+                      <a:r>
+                        <a:rPr lang="ko-KR" altLang="en-US" dirty="0"/>
+                        <a:t>즐겨찾기</a:t>
+                      </a:r>
+                      <a:r>
+                        <a:rPr lang="en-US" altLang="ko-KR" dirty="0"/>
+                        <a:t>, </a:t>
+                      </a:r>
+                      <a:r>
+                        <a:rPr lang="ko-KR" altLang="en-US" dirty="0"/>
+                        <a:t>검색기록</a:t>
+                      </a:r>
+                    </a:p>
+                  </a:txBody>
+                  <a:tcPr/>
+                </a:tc>
+                <a:tc>
+                  <a:txBody>
+                    <a:bodyPr/>
+                    <a:lstStyle/>
+                    <a:p>
+                      <a:pPr latinLnBrk="1"/>
+                      <a:r>
+                        <a:rPr lang="en-US" altLang="ko-KR" dirty="0"/>
+                        <a:t>API</a:t>
+                      </a:r>
+                      <a:r>
+                        <a:rPr lang="ko-KR" altLang="en-US" dirty="0"/>
+                        <a:t>로 받아온 데이터 그래프로 출력</a:t>
+                      </a:r>
+                      <a:endParaRPr lang="en-US" altLang="ko-KR" dirty="0"/>
+                    </a:p>
+                    <a:p>
+                      <a:pPr latinLnBrk="1"/>
+                      <a:r>
+                        <a:rPr lang="ko-KR" altLang="en-US" dirty="0"/>
+                        <a:t>즐겨찾기</a:t>
+                      </a:r>
+                      <a:r>
+                        <a:rPr lang="en-US" altLang="ko-KR" dirty="0"/>
+                        <a:t> </a:t>
+                      </a:r>
+                      <a:r>
+                        <a:rPr lang="ko-KR" altLang="en-US" dirty="0"/>
+                        <a:t>및</a:t>
+                      </a:r>
+                      <a:r>
+                        <a:rPr lang="en-US" altLang="ko-KR" dirty="0"/>
+                        <a:t> </a:t>
+                      </a:r>
+                      <a:r>
+                        <a:rPr lang="ko-KR" altLang="en-US" dirty="0"/>
+                        <a:t>검색기록 파일로 저장</a:t>
+                      </a:r>
+                      <a:r>
+                        <a:rPr lang="en-US" altLang="ko-KR" dirty="0"/>
+                        <a:t>, </a:t>
+                      </a:r>
+                      <a:r>
+                        <a:rPr lang="ko-KR" altLang="en-US" dirty="0"/>
+                        <a:t>파일에서 읽어오기</a:t>
+                      </a:r>
+                    </a:p>
+                  </a:txBody>
+                  <a:tcPr/>
+                </a:tc>
+                <a:tc>
+                  <a:txBody>
+                    <a:bodyPr/>
+                    <a:lstStyle/>
+                    <a:p>
+                      <a:pPr algn="ctr" latinLnBrk="1"/>
+                      <a:endParaRPr lang="ko-KR" altLang="en-US" b="1" dirty="0"/>
+                    </a:p>
+                  </a:txBody>
+                  <a:tcPr/>
+                </a:tc>
+                <a:extLst>
+                  <a:ext uri="{0D108BD9-81ED-4DB2-BD59-A6C34878D82A}">
+                    <a16:rowId xmlns:a16="http://schemas.microsoft.com/office/drawing/2014/main" val="4179029828"/>
+                  </a:ext>
+                </a:extLst>
+              </a:tr>
+              <a:tr h="740425">
+                <a:tc>
+                  <a:txBody>
+                    <a:bodyPr/>
+                    <a:lstStyle/>
+                    <a:p>
+                      <a:pPr algn="ctr" latinLnBrk="1"/>
+                      <a:r>
+                        <a:rPr lang="en-US" altLang="ko-KR" dirty="0"/>
+                        <a:t>3</a:t>
+                      </a:r>
+                      <a:r>
+                        <a:rPr lang="ko-KR" altLang="en-US" dirty="0"/>
+                        <a:t>주차</a:t>
+                      </a:r>
+                    </a:p>
+                  </a:txBody>
+                  <a:tcPr/>
+                </a:tc>
+                <a:tc>
+                  <a:txBody>
+                    <a:bodyPr/>
+                    <a:lstStyle/>
+                    <a:p>
+                      <a:pPr algn="ctr" latinLnBrk="1"/>
+                      <a:r>
+                        <a:rPr lang="ko-KR" altLang="en-US" dirty="0"/>
+                        <a:t>지도</a:t>
+                      </a:r>
+                      <a:endParaRPr lang="en-US" altLang="ko-KR" dirty="0"/>
+                    </a:p>
+                    <a:p>
+                      <a:pPr algn="ctr" latinLnBrk="1"/>
+                      <a:r>
+                        <a:rPr lang="ko-KR" altLang="en-US" dirty="0"/>
+                        <a:t>상세정보</a:t>
+                      </a:r>
+                    </a:p>
+                  </a:txBody>
+                  <a:tcPr/>
+                </a:tc>
+                <a:tc>
+                  <a:txBody>
+                    <a:bodyPr/>
+                    <a:lstStyle/>
+                    <a:p>
+                      <a:pPr latinLnBrk="1"/>
+                      <a:r>
+                        <a:rPr lang="ko-KR" altLang="en-US" dirty="0"/>
+                        <a:t>지도 구현</a:t>
+                      </a:r>
+                      <a:r>
+                        <a:rPr lang="en-US" altLang="ko-KR" dirty="0"/>
+                        <a:t>, </a:t>
+                      </a:r>
+                      <a:r>
+                        <a:rPr lang="ko-KR" altLang="en-US" dirty="0"/>
+                        <a:t>지도에 충전소 위치 표시</a:t>
+                      </a:r>
+                      <a:r>
+                        <a:rPr lang="en-US" altLang="ko-KR" dirty="0"/>
+                        <a:t>, </a:t>
+                      </a:r>
+                    </a:p>
+                    <a:p>
+                      <a:pPr latinLnBrk="1"/>
+                      <a:r>
+                        <a:rPr lang="ko-KR" altLang="en-US" dirty="0"/>
+                        <a:t>지도를 클릭해 충전소 선택</a:t>
+                      </a:r>
+                      <a:r>
+                        <a:rPr lang="en-US" altLang="ko-KR" dirty="0"/>
+                        <a:t>, </a:t>
+                      </a:r>
+                      <a:r>
+                        <a:rPr lang="ko-KR" altLang="en-US" dirty="0"/>
+                        <a:t>상세정보 표시</a:t>
+                      </a:r>
+                    </a:p>
+                  </a:txBody>
+                  <a:tcPr/>
+                </a:tc>
+                <a:tc>
+                  <a:txBody>
+                    <a:bodyPr/>
+                    <a:lstStyle/>
+                    <a:p>
+                      <a:pPr algn="ctr" latinLnBrk="1"/>
+                      <a:endParaRPr lang="ko-KR" altLang="en-US" b="1" dirty="0"/>
+                    </a:p>
+                  </a:txBody>
+                  <a:tcPr/>
+                </a:tc>
+                <a:extLst>
+                  <a:ext uri="{0D108BD9-81ED-4DB2-BD59-A6C34878D82A}">
+                    <a16:rowId xmlns:a16="http://schemas.microsoft.com/office/drawing/2014/main" val="2025111738"/>
+                  </a:ext>
+                </a:extLst>
+              </a:tr>
+              <a:tr h="740425">
+                <a:tc>
+                  <a:txBody>
+                    <a:bodyPr/>
+                    <a:lstStyle/>
+                    <a:p>
+                      <a:pPr algn="ctr" latinLnBrk="1"/>
+                      <a:r>
+                        <a:rPr lang="en-US" altLang="ko-KR" dirty="0"/>
+                        <a:t>4</a:t>
+                      </a:r>
+                      <a:r>
+                        <a:rPr lang="ko-KR" altLang="en-US" dirty="0"/>
+                        <a:t>주차</a:t>
+                      </a:r>
+                    </a:p>
+                  </a:txBody>
+                  <a:tcPr/>
+                </a:tc>
+                <a:tc>
+                  <a:txBody>
+                    <a:bodyPr/>
+                    <a:lstStyle/>
+                    <a:p>
+                      <a:pPr algn="ctr" latinLnBrk="1"/>
+                      <a:r>
+                        <a:rPr lang="ko-KR" altLang="en-US" dirty="0"/>
+                        <a:t>이메일</a:t>
+                      </a:r>
+                      <a:endParaRPr lang="en-US" altLang="ko-KR" dirty="0"/>
+                    </a:p>
+                    <a:p>
+                      <a:pPr algn="ctr" latinLnBrk="1"/>
+                      <a:r>
+                        <a:rPr lang="ko-KR" altLang="en-US" dirty="0"/>
+                        <a:t>충전기 정보 표시</a:t>
+                      </a:r>
+                    </a:p>
+                  </a:txBody>
+                  <a:tcPr/>
+                </a:tc>
+                <a:tc>
+                  <a:txBody>
+                    <a:bodyPr/>
+                    <a:lstStyle/>
+                    <a:p>
+                      <a:pPr latinLnBrk="1"/>
+                      <a:r>
+                        <a:rPr lang="ko-KR" altLang="en-US" dirty="0"/>
+                        <a:t>이메일 전송</a:t>
+                      </a:r>
+                      <a:r>
+                        <a:rPr lang="en-US" altLang="ko-KR" dirty="0"/>
+                        <a:t>, </a:t>
+                      </a:r>
+                      <a:r>
+                        <a:rPr lang="en-US" altLang="ko-KR" dirty="0" err="1"/>
+                        <a:t>tkinter</a:t>
+                      </a:r>
+                      <a:r>
+                        <a:rPr lang="ko-KR" altLang="en-US" dirty="0"/>
+                        <a:t>노트북으로 충전기 정보 표시</a:t>
+                      </a:r>
+                    </a:p>
+                  </a:txBody>
+                  <a:tcPr/>
+                </a:tc>
+                <a:tc>
+                  <a:txBody>
+                    <a:bodyPr/>
+                    <a:lstStyle/>
+                    <a:p>
+                      <a:pPr algn="ctr" latinLnBrk="1"/>
+                      <a:endParaRPr lang="ko-KR" altLang="en-US" b="1" dirty="0"/>
+                    </a:p>
+                  </a:txBody>
+                  <a:tcPr/>
+                </a:tc>
+                <a:extLst>
+                  <a:ext uri="{0D108BD9-81ED-4DB2-BD59-A6C34878D82A}">
+                    <a16:rowId xmlns:a16="http://schemas.microsoft.com/office/drawing/2014/main" val="3088565323"/>
+                  </a:ext>
+                </a:extLst>
+              </a:tr>
+              <a:tr h="740425">
+                <a:tc>
+                  <a:txBody>
+                    <a:bodyPr/>
+                    <a:lstStyle/>
+                    <a:p>
+                      <a:pPr algn="ctr" latinLnBrk="1"/>
+                      <a:r>
+                        <a:rPr lang="en-US" altLang="ko-KR" dirty="0"/>
+                        <a:t>5</a:t>
+                      </a:r>
+                      <a:r>
+                        <a:rPr lang="ko-KR" altLang="en-US" dirty="0"/>
+                        <a:t>주차</a:t>
+                      </a:r>
+                    </a:p>
+                  </a:txBody>
+                  <a:tcPr/>
+                </a:tc>
+                <a:tc>
+                  <a:txBody>
+                    <a:bodyPr/>
+                    <a:lstStyle/>
+                    <a:p>
+                      <a:pPr algn="ctr" latinLnBrk="1"/>
+                      <a:r>
+                        <a:rPr lang="ko-KR" altLang="en-US" dirty="0"/>
+                        <a:t>마무리</a:t>
+                      </a:r>
+                    </a:p>
+                  </a:txBody>
+                  <a:tcPr/>
+                </a:tc>
+                <a:tc>
+                  <a:txBody>
+                    <a:bodyPr/>
+                    <a:lstStyle/>
+                    <a:p>
+                      <a:pPr latinLnBrk="1"/>
+                      <a:r>
+                        <a:rPr lang="ko-KR" altLang="en-US" dirty="0"/>
+                        <a:t>필요시 새로운 기능 추가</a:t>
+                      </a:r>
+                    </a:p>
+                  </a:txBody>
+                  <a:tcPr/>
+                </a:tc>
+                <a:tc>
+                  <a:txBody>
+                    <a:bodyPr/>
+                    <a:lstStyle/>
+                    <a:p>
+                      <a:pPr algn="ctr" latinLnBrk="1"/>
+                      <a:endParaRPr lang="ko-KR" altLang="en-US" b="1" dirty="0"/>
+                    </a:p>
+                  </a:txBody>
+                  <a:tcPr/>
+                </a:tc>
+                <a:extLst>
+                  <a:ext uri="{0D108BD9-81ED-4DB2-BD59-A6C34878D82A}">
+                    <a16:rowId xmlns:a16="http://schemas.microsoft.com/office/drawing/2014/main" val="2265053260"/>
+                  </a:ext>
+                </a:extLst>
+              </a:tr>
+            </a:tbl>
+          </a:graphicData>
+        </a:graphic>
+      </p:graphicFrame>
+    </p:spTree>
+    <p:extLst>
+      <p:ext uri="{BB962C8B-B14F-4D97-AF65-F5344CB8AC3E}">
+        <p14:creationId xmlns:p14="http://schemas.microsoft.com/office/powerpoint/2010/main" val="2503629140"/>
       </p:ext>
     </p:extLst>
   </p:cSld>

--- a/docs/스크립트언어_텀프로젝트_중간발표.pptx
+++ b/docs/스크립트언어_텀프로젝트_중간발표.pptx
@@ -5,12 +5,13 @@
     <p:sldMasterId id="2147483648" r:id="rId1"/>
   </p:sldMasterIdLst>
   <p:notesMasterIdLst>
-    <p:notesMasterId r:id="rId5"/>
+    <p:notesMasterId r:id="rId6"/>
   </p:notesMasterIdLst>
   <p:sldIdLst>
     <p:sldId id="257" r:id="rId2"/>
-    <p:sldId id="258" r:id="rId3"/>
-    <p:sldId id="263" r:id="rId4"/>
+    <p:sldId id="263" r:id="rId3"/>
+    <p:sldId id="264" r:id="rId4"/>
+    <p:sldId id="265" r:id="rId5"/>
   </p:sldIdLst>
   <p:sldSz cx="12192000" cy="6858000"/>
   <p:notesSz cx="6858000" cy="9144000"/>
@@ -806,7 +807,7 @@
           <a:p>
             <a:fld id="{21B3824B-640F-4EC8-9F9A-0A22BE5F8C36}" type="slidenum">
               <a:rPr lang="ko-KR" altLang="en-US" smtClean="0"/>
-              <a:t>3</a:t>
+              <a:t>2</a:t>
             </a:fld>
             <a:endParaRPr lang="ko-KR" altLang="en-US"/>
           </a:p>
@@ -4143,7 +4144,7 @@
           <p:cNvPr id="2" name="제목 1">
             <a:extLst>
               <a:ext uri="{FF2B5EF4-FFF2-40B4-BE49-F238E27FC236}">
-                <a16:creationId xmlns:a16="http://schemas.microsoft.com/office/drawing/2014/main" id="{A0A1BF43-9969-714E-E5F9-87BF250AFF35}"/>
+                <a16:creationId xmlns:a16="http://schemas.microsoft.com/office/drawing/2014/main" id="{449E2F91-BC41-D362-2E01-338079967FD0}"/>
               </a:ext>
             </a:extLst>
           </p:cNvPr>
@@ -4152,42 +4153,6 @@
           </p:cNvSpPr>
           <p:nvPr>
             <p:ph type="title"/>
-          </p:nvPr>
-        </p:nvSpPr>
-        <p:spPr/>
-        <p:txBody>
-          <a:bodyPr/>
-          <a:lstStyle/>
-          <a:p>
-            <a:r>
-              <a:rPr lang="ko-KR" altLang="en-US" dirty="0"/>
-              <a:t>목</a:t>
-            </a:r>
-            <a:r>
-              <a:rPr lang="en-US" altLang="ko-KR" dirty="0"/>
-              <a:t>?</a:t>
-            </a:r>
-            <a:r>
-              <a:rPr lang="ko-KR" altLang="en-US" dirty="0"/>
-              <a:t>차</a:t>
-            </a:r>
-          </a:p>
-        </p:txBody>
-      </p:sp>
-      <p:sp>
-        <p:nvSpPr>
-          <p:cNvPr id="3" name="내용 개체 틀 2">
-            <a:extLst>
-              <a:ext uri="{FF2B5EF4-FFF2-40B4-BE49-F238E27FC236}">
-                <a16:creationId xmlns:a16="http://schemas.microsoft.com/office/drawing/2014/main" id="{71E7955D-8C9E-7C40-4967-D22ADAEC909A}"/>
-              </a:ext>
-            </a:extLst>
-          </p:cNvPr>
-          <p:cNvSpPr>
-            <a:spLocks noGrp="1"/>
-          </p:cNvSpPr>
-          <p:nvPr>
-            <p:ph idx="1"/>
           </p:nvPr>
         </p:nvSpPr>
         <p:spPr/>
@@ -4199,90 +4164,6 @@
               <a:rPr lang="ko-KR" altLang="en-US" dirty="0"/>
               <a:t>개발진행상황</a:t>
             </a:r>
-            <a:endParaRPr lang="en-US" altLang="ko-KR" dirty="0"/>
-          </a:p>
-          <a:p>
-            <a:r>
-              <a:rPr lang="ko-KR" altLang="en-US" dirty="0" err="1"/>
-              <a:t>커밋</a:t>
-            </a:r>
-            <a:r>
-              <a:rPr lang="ko-KR" altLang="en-US" dirty="0"/>
-              <a:t> 통계</a:t>
-            </a:r>
-            <a:endParaRPr lang="en-US" altLang="ko-KR" dirty="0"/>
-          </a:p>
-          <a:p>
-            <a:r>
-              <a:rPr lang="ko-KR" altLang="en-US" dirty="0"/>
-              <a:t>개발일정</a:t>
-            </a:r>
-            <a:endParaRPr lang="en-US" altLang="ko-KR" dirty="0"/>
-          </a:p>
-          <a:p>
-            <a:r>
-              <a:rPr lang="ko-KR" altLang="en-US" dirty="0"/>
-              <a:t>시연</a:t>
-            </a:r>
-          </a:p>
-        </p:txBody>
-      </p:sp>
-    </p:spTree>
-    <p:extLst>
-      <p:ext uri="{BB962C8B-B14F-4D97-AF65-F5344CB8AC3E}">
-        <p14:creationId xmlns:p14="http://schemas.microsoft.com/office/powerpoint/2010/main" val="4216905666"/>
-      </p:ext>
-    </p:extLst>
-  </p:cSld>
-  <p:clrMapOvr>
-    <a:masterClrMapping/>
-  </p:clrMapOvr>
-</p:sld>
-</file>
-
-<file path=ppt/slides/slide3.xml><?xml version="1.0" encoding="utf-8"?>
-<p:sld xmlns:a="http://schemas.openxmlformats.org/drawingml/2006/main" xmlns:r="http://schemas.openxmlformats.org/officeDocument/2006/relationships" xmlns:p="http://schemas.openxmlformats.org/presentationml/2006/main">
-  <p:cSld>
-    <p:spTree>
-      <p:nvGrpSpPr>
-        <p:cNvPr id="1" name=""/>
-        <p:cNvGrpSpPr/>
-        <p:nvPr/>
-      </p:nvGrpSpPr>
-      <p:grpSpPr>
-        <a:xfrm>
-          <a:off x="0" y="0"/>
-          <a:ext cx="0" cy="0"/>
-          <a:chOff x="0" y="0"/>
-          <a:chExt cx="0" cy="0"/>
-        </a:xfrm>
-      </p:grpSpPr>
-      <p:sp>
-        <p:nvSpPr>
-          <p:cNvPr id="2" name="제목 1">
-            <a:extLst>
-              <a:ext uri="{FF2B5EF4-FFF2-40B4-BE49-F238E27FC236}">
-                <a16:creationId xmlns:a16="http://schemas.microsoft.com/office/drawing/2014/main" id="{449E2F91-BC41-D362-2E01-338079967FD0}"/>
-              </a:ext>
-            </a:extLst>
-          </p:cNvPr>
-          <p:cNvSpPr>
-            <a:spLocks noGrp="1"/>
-          </p:cNvSpPr>
-          <p:nvPr>
-            <p:ph type="title"/>
-          </p:nvPr>
-        </p:nvSpPr>
-        <p:spPr/>
-        <p:txBody>
-          <a:bodyPr/>
-          <a:lstStyle/>
-          <a:p>
-            <a:r>
-              <a:rPr lang="ko-KR" altLang="en-US"/>
-              <a:t>개발진행상황</a:t>
-            </a:r>
-            <a:endParaRPr lang="ko-KR" altLang="en-US" dirty="0"/>
           </a:p>
         </p:txBody>
       </p:sp>
@@ -4882,6 +4763,173 @@
     <p:extLst>
       <p:ext uri="{BB962C8B-B14F-4D97-AF65-F5344CB8AC3E}">
         <p14:creationId xmlns:p14="http://schemas.microsoft.com/office/powerpoint/2010/main" val="2503629140"/>
+      </p:ext>
+    </p:extLst>
+  </p:cSld>
+  <p:clrMapOvr>
+    <a:masterClrMapping/>
+  </p:clrMapOvr>
+</p:sld>
+</file>
+
+<file path=ppt/slides/slide3.xml><?xml version="1.0" encoding="utf-8"?>
+<p:sld xmlns:a="http://schemas.openxmlformats.org/drawingml/2006/main" xmlns:r="http://schemas.openxmlformats.org/officeDocument/2006/relationships" xmlns:p="http://schemas.openxmlformats.org/presentationml/2006/main">
+  <p:cSld>
+    <p:spTree>
+      <p:nvGrpSpPr>
+        <p:cNvPr id="1" name=""/>
+        <p:cNvGrpSpPr/>
+        <p:nvPr/>
+      </p:nvGrpSpPr>
+      <p:grpSpPr>
+        <a:xfrm>
+          <a:off x="0" y="0"/>
+          <a:ext cx="0" cy="0"/>
+          <a:chOff x="0" y="0"/>
+          <a:chExt cx="0" cy="0"/>
+        </a:xfrm>
+      </p:grpSpPr>
+      <p:sp>
+        <p:nvSpPr>
+          <p:cNvPr id="2" name="제목 1">
+            <a:extLst>
+              <a:ext uri="{FF2B5EF4-FFF2-40B4-BE49-F238E27FC236}">
+                <a16:creationId xmlns:a16="http://schemas.microsoft.com/office/drawing/2014/main" id="{B3524DEE-DD13-3641-6F4A-7B4DCBA98484}"/>
+              </a:ext>
+            </a:extLst>
+          </p:cNvPr>
+          <p:cNvSpPr>
+            <a:spLocks noGrp="1"/>
+          </p:cNvSpPr>
+          <p:nvPr>
+            <p:ph type="title"/>
+          </p:nvPr>
+        </p:nvSpPr>
+        <p:spPr/>
+        <p:txBody>
+          <a:bodyPr/>
+          <a:lstStyle/>
+          <a:p>
+            <a:r>
+              <a:rPr lang="ko-KR" altLang="en-US" dirty="0" err="1"/>
+              <a:t>커밋통계</a:t>
+            </a:r>
+            <a:endParaRPr lang="ko-KR" altLang="en-US" dirty="0"/>
+          </a:p>
+        </p:txBody>
+      </p:sp>
+      <p:sp>
+        <p:nvSpPr>
+          <p:cNvPr id="3" name="내용 개체 틀 2">
+            <a:extLst>
+              <a:ext uri="{FF2B5EF4-FFF2-40B4-BE49-F238E27FC236}">
+                <a16:creationId xmlns:a16="http://schemas.microsoft.com/office/drawing/2014/main" id="{9CA8464A-1002-8B69-11FE-4303E80F742E}"/>
+              </a:ext>
+            </a:extLst>
+          </p:cNvPr>
+          <p:cNvSpPr>
+            <a:spLocks noGrp="1"/>
+          </p:cNvSpPr>
+          <p:nvPr>
+            <p:ph idx="1"/>
+          </p:nvPr>
+        </p:nvSpPr>
+        <p:spPr/>
+        <p:txBody>
+          <a:bodyPr/>
+          <a:lstStyle/>
+          <a:p>
+            <a:endParaRPr lang="ko-KR" altLang="en-US" dirty="0"/>
+          </a:p>
+        </p:txBody>
+      </p:sp>
+    </p:spTree>
+    <p:extLst>
+      <p:ext uri="{BB962C8B-B14F-4D97-AF65-F5344CB8AC3E}">
+        <p14:creationId xmlns:p14="http://schemas.microsoft.com/office/powerpoint/2010/main" val="3348449974"/>
+      </p:ext>
+    </p:extLst>
+  </p:cSld>
+  <p:clrMapOvr>
+    <a:masterClrMapping/>
+  </p:clrMapOvr>
+</p:sld>
+</file>
+
+<file path=ppt/slides/slide4.xml><?xml version="1.0" encoding="utf-8"?>
+<p:sld xmlns:a="http://schemas.openxmlformats.org/drawingml/2006/main" xmlns:r="http://schemas.openxmlformats.org/officeDocument/2006/relationships" xmlns:p="http://schemas.openxmlformats.org/presentationml/2006/main">
+  <p:cSld>
+    <p:spTree>
+      <p:nvGrpSpPr>
+        <p:cNvPr id="1" name=""/>
+        <p:cNvGrpSpPr/>
+        <p:nvPr/>
+      </p:nvGrpSpPr>
+      <p:grpSpPr>
+        <a:xfrm>
+          <a:off x="0" y="0"/>
+          <a:ext cx="0" cy="0"/>
+          <a:chOff x="0" y="0"/>
+          <a:chExt cx="0" cy="0"/>
+        </a:xfrm>
+      </p:grpSpPr>
+      <p:sp>
+        <p:nvSpPr>
+          <p:cNvPr id="2" name="제목 1">
+            <a:extLst>
+              <a:ext uri="{FF2B5EF4-FFF2-40B4-BE49-F238E27FC236}">
+                <a16:creationId xmlns:a16="http://schemas.microsoft.com/office/drawing/2014/main" id="{647741F4-0A88-2165-5327-ACDF0048CDF3}"/>
+              </a:ext>
+            </a:extLst>
+          </p:cNvPr>
+          <p:cNvSpPr>
+            <a:spLocks noGrp="1"/>
+          </p:cNvSpPr>
+          <p:nvPr>
+            <p:ph type="title"/>
+          </p:nvPr>
+        </p:nvSpPr>
+        <p:spPr/>
+        <p:txBody>
+          <a:bodyPr/>
+          <a:lstStyle/>
+          <a:p>
+            <a:r>
+              <a:rPr lang="ko-KR" altLang="en-US" dirty="0"/>
+              <a:t>시연</a:t>
+            </a:r>
+          </a:p>
+        </p:txBody>
+      </p:sp>
+      <p:sp>
+        <p:nvSpPr>
+          <p:cNvPr id="3" name="내용 개체 틀 2">
+            <a:extLst>
+              <a:ext uri="{FF2B5EF4-FFF2-40B4-BE49-F238E27FC236}">
+                <a16:creationId xmlns:a16="http://schemas.microsoft.com/office/drawing/2014/main" id="{AF28875D-202A-C346-C244-23C6429C6694}"/>
+              </a:ext>
+            </a:extLst>
+          </p:cNvPr>
+          <p:cNvSpPr>
+            <a:spLocks noGrp="1"/>
+          </p:cNvSpPr>
+          <p:nvPr>
+            <p:ph idx="1"/>
+          </p:nvPr>
+        </p:nvSpPr>
+        <p:spPr/>
+        <p:txBody>
+          <a:bodyPr/>
+          <a:lstStyle/>
+          <a:p>
+            <a:endParaRPr lang="ko-KR" altLang="en-US" dirty="0"/>
+          </a:p>
+        </p:txBody>
+      </p:sp>
+    </p:spTree>
+    <p:extLst>
+      <p:ext uri="{BB962C8B-B14F-4D97-AF65-F5344CB8AC3E}">
+        <p14:creationId xmlns:p14="http://schemas.microsoft.com/office/powerpoint/2010/main" val="497605766"/>
       </p:ext>
     </p:extLst>
   </p:cSld>

--- a/docs/스크립트언어_텀프로젝트_중간발표.pptx
+++ b/docs/스크립트언어_텀프로젝트_중간발표.pptx
@@ -200,7 +200,7 @@
           <a:p>
             <a:fld id="{8CA61F9F-6888-4802-A2C7-1E67DFEB703B}" type="datetimeFigureOut">
               <a:rPr lang="ko-KR" altLang="en-US" smtClean="0"/>
-              <a:t>2024-05-27</a:t>
+              <a:t>2024-05-28</a:t>
             </a:fld>
             <a:endParaRPr lang="ko-KR" altLang="en-US"/>
           </a:p>
@@ -973,7 +973,7 @@
           <a:p>
             <a:fld id="{C54A8E84-6740-4F5D-A6B4-A31ACA1E9238}" type="datetimeFigureOut">
               <a:rPr lang="ko-KR" altLang="en-US" smtClean="0"/>
-              <a:t>2024-05-27</a:t>
+              <a:t>2024-05-28</a:t>
             </a:fld>
             <a:endParaRPr lang="ko-KR" altLang="en-US"/>
           </a:p>
@@ -1171,7 +1171,7 @@
           <a:p>
             <a:fld id="{C54A8E84-6740-4F5D-A6B4-A31ACA1E9238}" type="datetimeFigureOut">
               <a:rPr lang="ko-KR" altLang="en-US" smtClean="0"/>
-              <a:t>2024-05-27</a:t>
+              <a:t>2024-05-28</a:t>
             </a:fld>
             <a:endParaRPr lang="ko-KR" altLang="en-US"/>
           </a:p>
@@ -1379,7 +1379,7 @@
           <a:p>
             <a:fld id="{C54A8E84-6740-4F5D-A6B4-A31ACA1E9238}" type="datetimeFigureOut">
               <a:rPr lang="ko-KR" altLang="en-US" smtClean="0"/>
-              <a:t>2024-05-27</a:t>
+              <a:t>2024-05-28</a:t>
             </a:fld>
             <a:endParaRPr lang="ko-KR" altLang="en-US"/>
           </a:p>
@@ -1577,7 +1577,7 @@
           <a:p>
             <a:fld id="{C54A8E84-6740-4F5D-A6B4-A31ACA1E9238}" type="datetimeFigureOut">
               <a:rPr lang="ko-KR" altLang="en-US" smtClean="0"/>
-              <a:t>2024-05-27</a:t>
+              <a:t>2024-05-28</a:t>
             </a:fld>
             <a:endParaRPr lang="ko-KR" altLang="en-US"/>
           </a:p>
@@ -1852,7 +1852,7 @@
           <a:p>
             <a:fld id="{C54A8E84-6740-4F5D-A6B4-A31ACA1E9238}" type="datetimeFigureOut">
               <a:rPr lang="ko-KR" altLang="en-US" smtClean="0"/>
-              <a:t>2024-05-27</a:t>
+              <a:t>2024-05-28</a:t>
             </a:fld>
             <a:endParaRPr lang="ko-KR" altLang="en-US"/>
           </a:p>
@@ -2117,7 +2117,7 @@
           <a:p>
             <a:fld id="{C54A8E84-6740-4F5D-A6B4-A31ACA1E9238}" type="datetimeFigureOut">
               <a:rPr lang="ko-KR" altLang="en-US" smtClean="0"/>
-              <a:t>2024-05-27</a:t>
+              <a:t>2024-05-28</a:t>
             </a:fld>
             <a:endParaRPr lang="ko-KR" altLang="en-US"/>
           </a:p>
@@ -2529,7 +2529,7 @@
           <a:p>
             <a:fld id="{C54A8E84-6740-4F5D-A6B4-A31ACA1E9238}" type="datetimeFigureOut">
               <a:rPr lang="ko-KR" altLang="en-US" smtClean="0"/>
-              <a:t>2024-05-27</a:t>
+              <a:t>2024-05-28</a:t>
             </a:fld>
             <a:endParaRPr lang="ko-KR" altLang="en-US"/>
           </a:p>
@@ -2670,7 +2670,7 @@
           <a:p>
             <a:fld id="{C54A8E84-6740-4F5D-A6B4-A31ACA1E9238}" type="datetimeFigureOut">
               <a:rPr lang="ko-KR" altLang="en-US" smtClean="0"/>
-              <a:t>2024-05-27</a:t>
+              <a:t>2024-05-28</a:t>
             </a:fld>
             <a:endParaRPr lang="ko-KR" altLang="en-US"/>
           </a:p>
@@ -2783,7 +2783,7 @@
           <a:p>
             <a:fld id="{C54A8E84-6740-4F5D-A6B4-A31ACA1E9238}" type="datetimeFigureOut">
               <a:rPr lang="ko-KR" altLang="en-US" smtClean="0"/>
-              <a:t>2024-05-27</a:t>
+              <a:t>2024-05-28</a:t>
             </a:fld>
             <a:endParaRPr lang="ko-KR" altLang="en-US"/>
           </a:p>
@@ -3094,7 +3094,7 @@
           <a:p>
             <a:fld id="{C54A8E84-6740-4F5D-A6B4-A31ACA1E9238}" type="datetimeFigureOut">
               <a:rPr lang="ko-KR" altLang="en-US" smtClean="0"/>
-              <a:t>2024-05-27</a:t>
+              <a:t>2024-05-28</a:t>
             </a:fld>
             <a:endParaRPr lang="ko-KR" altLang="en-US"/>
           </a:p>
@@ -3382,7 +3382,7 @@
           <a:p>
             <a:fld id="{C54A8E84-6740-4F5D-A6B4-A31ACA1E9238}" type="datetimeFigureOut">
               <a:rPr lang="ko-KR" altLang="en-US" smtClean="0"/>
-              <a:t>2024-05-27</a:t>
+              <a:t>2024-05-28</a:t>
             </a:fld>
             <a:endParaRPr lang="ko-KR" altLang="en-US"/>
           </a:p>
@@ -3623,7 +3623,7 @@
           <a:p>
             <a:fld id="{C54A8E84-6740-4F5D-A6B4-A31ACA1E9238}" type="datetimeFigureOut">
               <a:rPr lang="ko-KR" altLang="en-US" smtClean="0"/>
-              <a:t>2024-05-27</a:t>
+              <a:t>2024-05-28</a:t>
             </a:fld>
             <a:endParaRPr lang="ko-KR" altLang="en-US"/>
           </a:p>
@@ -4183,7 +4183,7 @@
             <p:ph idx="1"/>
             <p:extLst>
               <p:ext uri="{D42A27DB-BD31-4B8C-83A1-F6EECF244321}">
-                <p14:modId xmlns:p14="http://schemas.microsoft.com/office/powerpoint/2010/main" val="11784161"/>
+                <p14:modId xmlns:p14="http://schemas.microsoft.com/office/powerpoint/2010/main" val="953260152"/>
               </p:ext>
             </p:extLst>
           </p:nvPr>
@@ -4497,6 +4497,10 @@
                     <a:lstStyle/>
                     <a:p>
                       <a:pPr algn="ctr" latinLnBrk="1"/>
+                      <a:r>
+                        <a:rPr lang="en-US" altLang="ko-KR" b="1" dirty="0"/>
+                        <a:t>100%</a:t>
+                      </a:r>
                       <a:endParaRPr lang="ko-KR" altLang="en-US" b="1" dirty="0"/>
                     </a:p>
                   </a:txBody>
@@ -4576,11 +4580,11 @@
                       <a:pPr latinLnBrk="1"/>
                       <a:r>
                         <a:rPr lang="ko-KR" altLang="en-US" dirty="0"/>
-                        <a:t>지도를 클릭해 충전소 선택</a:t>
+                        <a:t>충전소 선택해서</a:t>
                       </a:r>
                       <a:r>
                         <a:rPr lang="en-US" altLang="ko-KR" dirty="0"/>
-                        <a:t>, </a:t>
+                        <a:t> </a:t>
                       </a:r>
                       <a:r>
                         <a:rPr lang="ko-KR" altLang="en-US" dirty="0"/>
@@ -4596,6 +4600,10 @@
                     <a:lstStyle/>
                     <a:p>
                       <a:pPr algn="ctr" latinLnBrk="1"/>
+                      <a:r>
+                        <a:rPr lang="en-US" altLang="ko-KR" b="1"/>
+                        <a:t>100%</a:t>
+                      </a:r>
                       <a:endParaRPr lang="ko-KR" altLang="en-US" b="1" dirty="0"/>
                     </a:p>
                   </a:txBody>

--- a/docs/스크립트언어_텀프로젝트_중간발표.pptx
+++ b/docs/스크립트언어_텀프로젝트_중간발표.pptx
@@ -4183,7 +4183,7 @@
             <p:ph idx="1"/>
             <p:extLst>
               <p:ext uri="{D42A27DB-BD31-4B8C-83A1-F6EECF244321}">
-                <p14:modId xmlns:p14="http://schemas.microsoft.com/office/powerpoint/2010/main" val="953260152"/>
+                <p14:modId xmlns:p14="http://schemas.microsoft.com/office/powerpoint/2010/main" val="3305227292"/>
               </p:ext>
             </p:extLst>
           </p:nvPr>
@@ -4324,7 +4324,10 @@
                         <a:rPr lang="ko-KR" altLang="en-US" dirty="0"/>
                         <a:t>배치</a:t>
                       </a:r>
-                      <a:endParaRPr lang="en-US" altLang="ko-KR" dirty="0"/>
+                      <a:r>
+                        <a:rPr lang="en-US" altLang="ko-KR" dirty="0"/>
+                        <a:t>,</a:t>
+                      </a:r>
                     </a:p>
                     <a:p>
                       <a:pPr algn="ctr" latinLnBrk="1"/>
@@ -4421,7 +4424,10 @@
                         <a:rPr lang="ko-KR" altLang="en-US" dirty="0"/>
                         <a:t>그래프</a:t>
                       </a:r>
-                      <a:endParaRPr lang="en-US" altLang="ko-KR" dirty="0"/>
+                      <a:r>
+                        <a:rPr lang="en-US" altLang="ko-KR" dirty="0"/>
+                        <a:t>,</a:t>
+                      </a:r>
                     </a:p>
                     <a:p>
                       <a:pPr algn="ctr" latinLnBrk="1"/>
@@ -4541,7 +4547,10 @@
                         <a:rPr lang="ko-KR" altLang="en-US" dirty="0"/>
                         <a:t>지도</a:t>
                       </a:r>
-                      <a:endParaRPr lang="en-US" altLang="ko-KR" dirty="0"/>
+                      <a:r>
+                        <a:rPr lang="en-US" altLang="ko-KR" dirty="0"/>
+                        <a:t>,</a:t>
+                      </a:r>
                     </a:p>
                     <a:p>
                       <a:pPr algn="ctr" latinLnBrk="1"/>
@@ -4642,9 +4651,13 @@
                       <a:pPr algn="ctr" latinLnBrk="1"/>
                       <a:r>
                         <a:rPr lang="ko-KR" altLang="en-US" dirty="0"/>
-                        <a:t>이메일</a:t>
-                      </a:r>
-                      <a:endParaRPr lang="en-US" altLang="ko-KR" dirty="0"/>
+                        <a:t>이동경로</a:t>
+                      </a:r>
+                      <a:r>
+                        <a:rPr lang="en-US" altLang="ko-KR" dirty="0"/>
+                        <a:t>,</a:t>
+                      </a:r>
+                      <a:endParaRPr lang="ko-KR" altLang="en-US" dirty="0"/>
                     </a:p>
                     <a:p>
                       <a:pPr algn="ctr" latinLnBrk="1"/>
@@ -4664,12 +4677,15 @@
                       <a:pPr latinLnBrk="1"/>
                       <a:r>
                         <a:rPr lang="ko-KR" altLang="en-US" dirty="0"/>
-                        <a:t>이메일 전송</a:t>
+                        <a:t>입력한 위치에서 선택한 충전소까지의 경로 표시</a:t>
                       </a:r>
                       <a:r>
                         <a:rPr lang="en-US" altLang="ko-KR" dirty="0"/>
-                        <a:t>, </a:t>
-                      </a:r>
+                        <a:t>,</a:t>
+                      </a:r>
+                    </a:p>
+                    <a:p>
+                      <a:pPr latinLnBrk="1"/>
                       <a:r>
                         <a:rPr lang="en-US" altLang="ko-KR" dirty="0" err="1"/>
                         <a:t>tkinter</a:t>
@@ -4726,6 +4742,17 @@
                       <a:pPr algn="ctr" latinLnBrk="1"/>
                       <a:r>
                         <a:rPr lang="ko-KR" altLang="en-US" dirty="0"/>
+                        <a:t>이메일</a:t>
+                      </a:r>
+                      <a:r>
+                        <a:rPr lang="en-US" altLang="ko-KR" dirty="0"/>
+                        <a:t>,</a:t>
+                      </a:r>
+                    </a:p>
+                    <a:p>
+                      <a:pPr algn="ctr" latinLnBrk="1"/>
+                      <a:r>
+                        <a:rPr lang="ko-KR" altLang="en-US" dirty="0"/>
                         <a:t>마무리</a:t>
                       </a:r>
                     </a:p>
@@ -4740,7 +4767,15 @@
                       <a:pPr latinLnBrk="1"/>
                       <a:r>
                         <a:rPr lang="ko-KR" altLang="en-US" dirty="0"/>
-                        <a:t>필요시 새로운 기능 추가</a:t>
+                        <a:t>이메일 전송</a:t>
+                      </a:r>
+                      <a:r>
+                        <a:rPr lang="en-US" altLang="ko-KR" dirty="0"/>
+                        <a:t>, </a:t>
+                      </a:r>
+                      <a:r>
+                        <a:rPr lang="ko-KR" altLang="en-US" dirty="0"/>
+                        <a:t>그 외 필요시 새로운 기능 추가</a:t>
                       </a:r>
                     </a:p>
                   </a:txBody>

--- a/docs/스크립트언어_텀프로젝트_중간발표.pptx
+++ b/docs/스크립트언어_텀프로젝트_중간발표.pptx
@@ -5,13 +5,14 @@
     <p:sldMasterId id="2147483648" r:id="rId1"/>
   </p:sldMasterIdLst>
   <p:notesMasterIdLst>
-    <p:notesMasterId r:id="rId6"/>
+    <p:notesMasterId r:id="rId7"/>
   </p:notesMasterIdLst>
   <p:sldIdLst>
     <p:sldId id="257" r:id="rId2"/>
-    <p:sldId id="263" r:id="rId3"/>
-    <p:sldId id="264" r:id="rId4"/>
-    <p:sldId id="265" r:id="rId5"/>
+    <p:sldId id="266" r:id="rId3"/>
+    <p:sldId id="263" r:id="rId4"/>
+    <p:sldId id="264" r:id="rId5"/>
+    <p:sldId id="265" r:id="rId6"/>
   </p:sldIdLst>
   <p:sldSz cx="12192000" cy="6858000"/>
   <p:notesSz cx="6858000" cy="9144000"/>
@@ -200,7 +201,7 @@
           <a:p>
             <a:fld id="{8CA61F9F-6888-4802-A2C7-1E67DFEB703B}" type="datetimeFigureOut">
               <a:rPr lang="ko-KR" altLang="en-US" smtClean="0"/>
-              <a:t>2024-05-28</a:t>
+              <a:t>2024-05-29</a:t>
             </a:fld>
             <a:endParaRPr lang="ko-KR" altLang="en-US"/>
           </a:p>
@@ -607,50 +608,32 @@
           <a:lstStyle/>
           <a:p>
             <a:r>
+              <a:rPr lang="en-US" altLang="ko-KR" dirty="0"/>
+              <a:t>API</a:t>
+            </a:r>
+            <a:r>
               <a:rPr lang="ko-KR" altLang="en-US" dirty="0"/>
-              <a:t>개발 일정은 다음과 같습니다</a:t>
-            </a:r>
-            <a:endParaRPr lang="en-US" altLang="ko-KR" dirty="0"/>
-          </a:p>
-          <a:p>
-            <a:r>
-              <a:rPr lang="en-US" altLang="ko-KR" dirty="0"/>
-              <a:t>1</a:t>
-            </a:r>
-            <a:r>
-              <a:rPr lang="ko-KR" altLang="en-US" dirty="0"/>
-              <a:t>주차는 </a:t>
-            </a:r>
-            <a:r>
-              <a:rPr lang="en-US" altLang="ko-KR" dirty="0"/>
-              <a:t>GUI</a:t>
+              <a:t>는 한국환경공단의 전기차 충전소 정보와 행정안전부의 </a:t>
             </a:r>
             <a:r>
               <a:rPr lang="ko-KR" altLang="en-US" dirty="0" err="1"/>
-              <a:t>배치랑</a:t>
+              <a:t>법정동코드</a:t>
             </a:r>
             <a:r>
               <a:rPr lang="ko-KR" altLang="en-US" dirty="0"/>
               <a:t> </a:t>
             </a:r>
             <a:r>
-              <a:rPr lang="en-US" altLang="ko-KR" dirty="0" err="1"/>
-              <a:t>api</a:t>
+              <a:rPr lang="en-US" altLang="ko-KR" dirty="0"/>
+              <a:t>API, </a:t>
             </a:r>
             <a:r>
               <a:rPr lang="ko-KR" altLang="en-US" dirty="0"/>
-              <a:t>호출을 구현하고</a:t>
-            </a:r>
-            <a:endParaRPr lang="en-US" altLang="ko-KR" dirty="0"/>
-          </a:p>
-          <a:p>
-            <a:r>
-              <a:rPr lang="en-US" altLang="ko-KR" dirty="0"/>
-              <a:t>2</a:t>
-            </a:r>
-            <a:r>
-              <a:rPr lang="ko-KR" altLang="en-US" dirty="0"/>
-              <a:t>주차에는 </a:t>
+              <a:t>그리고 구글의 </a:t>
+            </a:r>
+            <a:r>
+              <a:rPr lang="ko-KR" altLang="en-US" dirty="0" err="1"/>
+              <a:t>지오코딩</a:t>
             </a:r>
             <a:r>
               <a:rPr lang="en-US" altLang="ko-KR" dirty="0"/>
@@ -658,134 +641,12 @@
             </a:r>
             <a:r>
               <a:rPr lang="ko-KR" altLang="en-US" dirty="0"/>
-              <a:t>호출 결과를 그래프로 표시하고 </a:t>
-            </a:r>
-            <a:r>
-              <a:rPr lang="ko-KR" altLang="en-US" dirty="0" err="1"/>
-              <a:t>즐겨찾기랑</a:t>
-            </a:r>
-            <a:r>
-              <a:rPr lang="ko-KR" altLang="en-US" dirty="0"/>
-              <a:t> 검색기록</a:t>
-            </a:r>
-            <a:r>
-              <a:rPr lang="en-US" altLang="ko-KR" dirty="0"/>
-              <a:t> </a:t>
-            </a:r>
-            <a:r>
-              <a:rPr lang="ko-KR" altLang="en-US" dirty="0"/>
-              <a:t>기능을 만들고</a:t>
-            </a:r>
-            <a:endParaRPr lang="en-US" altLang="ko-KR" dirty="0"/>
-          </a:p>
-          <a:p>
-            <a:r>
-              <a:rPr lang="en-US" altLang="ko-KR" dirty="0"/>
-              <a:t>3</a:t>
-            </a:r>
-            <a:r>
-              <a:rPr lang="ko-KR" altLang="en-US" dirty="0"/>
-              <a:t>주차에는 지도를 구현하고 그 지도에 충전소 </a:t>
-            </a:r>
-            <a:r>
-              <a:rPr lang="ko-KR" altLang="en-US" dirty="0" err="1"/>
-              <a:t>위치표시랑</a:t>
-            </a:r>
-            <a:r>
-              <a:rPr lang="en-US" altLang="ko-KR" dirty="0"/>
-              <a:t> </a:t>
-            </a:r>
-            <a:r>
-              <a:rPr lang="ko-KR" altLang="en-US" dirty="0"/>
-              <a:t>충전소 </a:t>
-            </a:r>
-            <a:r>
-              <a:rPr lang="ko-KR" altLang="en-US" dirty="0" err="1"/>
-              <a:t>클릭시</a:t>
-            </a:r>
-            <a:r>
-              <a:rPr lang="ko-KR" altLang="en-US" dirty="0"/>
-              <a:t> 상세정보 출력까지 구현할 예정입니다</a:t>
+              <a:t>를 이용하고 있습니다</a:t>
             </a:r>
             <a:r>
               <a:rPr lang="en-US" altLang="ko-KR" dirty="0"/>
               <a:t>.</a:t>
             </a:r>
-          </a:p>
-          <a:p>
-            <a:r>
-              <a:rPr lang="en-US" altLang="ko-KR" dirty="0"/>
-              <a:t>4</a:t>
-            </a:r>
-            <a:r>
-              <a:rPr lang="ko-KR" altLang="en-US" dirty="0"/>
-              <a:t>주차에는 </a:t>
-            </a:r>
-            <a:r>
-              <a:rPr lang="ko-KR" altLang="en-US" dirty="0" err="1"/>
-              <a:t>이메일기능이랑</a:t>
-            </a:r>
-            <a:r>
-              <a:rPr lang="ko-KR" altLang="en-US" dirty="0"/>
-              <a:t> </a:t>
-            </a:r>
-            <a:r>
-              <a:rPr lang="en-US" altLang="ko-KR" dirty="0" err="1"/>
-              <a:t>Tkinter</a:t>
-            </a:r>
-            <a:r>
-              <a:rPr lang="ko-KR" altLang="en-US" dirty="0"/>
-              <a:t>노트북으로 충전기 정보 </a:t>
-            </a:r>
-            <a:r>
-              <a:rPr lang="ko-KR" altLang="en-US" dirty="0" err="1"/>
-              <a:t>표시할수있도록</a:t>
-            </a:r>
-            <a:r>
-              <a:rPr lang="ko-KR" altLang="en-US" dirty="0"/>
-              <a:t> 하고</a:t>
-            </a:r>
-            <a:endParaRPr lang="en-US" altLang="ko-KR" dirty="0"/>
-          </a:p>
-          <a:p>
-            <a:r>
-              <a:rPr lang="en-US" altLang="ko-KR" dirty="0"/>
-              <a:t>5</a:t>
-            </a:r>
-            <a:r>
-              <a:rPr lang="ko-KR" altLang="en-US" dirty="0"/>
-              <a:t>주차에는 못다한 작업 </a:t>
-            </a:r>
-            <a:r>
-              <a:rPr lang="ko-KR" altLang="en-US" dirty="0" err="1"/>
-              <a:t>마무리랑</a:t>
-            </a:r>
-            <a:r>
-              <a:rPr lang="ko-KR" altLang="en-US" dirty="0"/>
-              <a:t> 필요하다면 새로운 기능까지 추가 해서 개발을 </a:t>
-            </a:r>
-            <a:r>
-              <a:rPr lang="ko-KR" altLang="en-US" dirty="0" err="1"/>
-              <a:t>완료할수</a:t>
-            </a:r>
-            <a:r>
-              <a:rPr lang="ko-KR" altLang="en-US" dirty="0"/>
-              <a:t> 있도록 할 예정입니다</a:t>
-            </a:r>
-            <a:r>
-              <a:rPr lang="en-US" altLang="ko-KR" dirty="0"/>
-              <a:t>.</a:t>
-            </a:r>
-          </a:p>
-          <a:p>
-            <a:r>
-              <a:rPr lang="ko-KR" altLang="en-US" dirty="0"/>
-              <a:t>이상으로 기획발표 마치겠습니다</a:t>
-            </a:r>
-            <a:r>
-              <a:rPr lang="en-US" altLang="ko-KR"/>
-              <a:t>.</a:t>
-            </a:r>
             <a:endParaRPr lang="ko-KR" altLang="en-US" dirty="0"/>
           </a:p>
         </p:txBody>
@@ -805,7 +666,7 @@
           <a:bodyPr/>
           <a:lstStyle/>
           <a:p>
-            <a:fld id="{21B3824B-640F-4EC8-9F9A-0A22BE5F8C36}" type="slidenum">
+            <a:fld id="{70C66498-A937-4E17-8AB9-436C4B7ED53F}" type="slidenum">
               <a:rPr lang="ko-KR" altLang="en-US" smtClean="0"/>
               <a:t>2</a:t>
             </a:fld>
@@ -816,7 +677,375 @@
     </p:spTree>
     <p:extLst>
       <p:ext uri="{BB962C8B-B14F-4D97-AF65-F5344CB8AC3E}">
+        <p14:creationId xmlns:p14="http://schemas.microsoft.com/office/powerpoint/2010/main" val="2738558593"/>
+      </p:ext>
+    </p:extLst>
+  </p:cSld>
+  <p:clrMapOvr>
+    <a:masterClrMapping/>
+  </p:clrMapOvr>
+</p:notes>
+</file>
+
+<file path=ppt/notesSlides/notesSlide3.xml><?xml version="1.0" encoding="utf-8"?>
+<p:notes xmlns:a="http://schemas.openxmlformats.org/drawingml/2006/main" xmlns:r="http://schemas.openxmlformats.org/officeDocument/2006/relationships" xmlns:p="http://schemas.openxmlformats.org/presentationml/2006/main">
+  <p:cSld>
+    <p:spTree>
+      <p:nvGrpSpPr>
+        <p:cNvPr id="1" name=""/>
+        <p:cNvGrpSpPr/>
+        <p:nvPr/>
+      </p:nvGrpSpPr>
+      <p:grpSpPr>
+        <a:xfrm>
+          <a:off x="0" y="0"/>
+          <a:ext cx="0" cy="0"/>
+          <a:chOff x="0" y="0"/>
+          <a:chExt cx="0" cy="0"/>
+        </a:xfrm>
+      </p:grpSpPr>
+      <p:sp>
+        <p:nvSpPr>
+          <p:cNvPr id="2" name="슬라이드 이미지 개체 틀 1"/>
+          <p:cNvSpPr>
+            <a:spLocks noGrp="1" noRot="1" noChangeAspect="1"/>
+          </p:cNvSpPr>
+          <p:nvPr>
+            <p:ph type="sldImg"/>
+          </p:nvPr>
+        </p:nvSpPr>
+        <p:spPr/>
+      </p:sp>
+      <p:sp>
+        <p:nvSpPr>
+          <p:cNvPr id="3" name="슬라이드 노트 개체 틀 2"/>
+          <p:cNvSpPr>
+            <a:spLocks noGrp="1"/>
+          </p:cNvSpPr>
+          <p:nvPr>
+            <p:ph type="body" idx="1"/>
+          </p:nvPr>
+        </p:nvSpPr>
+        <p:spPr/>
+        <p:txBody>
+          <a:bodyPr/>
+          <a:lstStyle/>
+          <a:p>
+            <a:r>
+              <a:rPr lang="ko-KR" altLang="en-US" dirty="0"/>
+              <a:t>현재 개발 진행 상황은 </a:t>
+            </a:r>
+            <a:endParaRPr lang="en-US" altLang="ko-KR" dirty="0"/>
+          </a:p>
+          <a:p>
+            <a:r>
+              <a:rPr lang="ko-KR" altLang="en-US" dirty="0"/>
+              <a:t>지도 </a:t>
+            </a:r>
+            <a:r>
+              <a:rPr lang="ko-KR" altLang="en-US" dirty="0" err="1"/>
+              <a:t>불러오기랑</a:t>
+            </a:r>
+            <a:r>
+              <a:rPr lang="ko-KR" altLang="en-US" dirty="0"/>
+              <a:t> 지도에 위치표시</a:t>
+            </a:r>
+            <a:r>
+              <a:rPr lang="en-US" altLang="ko-KR" dirty="0"/>
+              <a:t>,</a:t>
+            </a:r>
+            <a:r>
+              <a:rPr lang="ko-KR" altLang="en-US" dirty="0"/>
+              <a:t> 그리고 그래프 출력</a:t>
+            </a:r>
+            <a:r>
+              <a:rPr lang="en-US" altLang="ko-KR" dirty="0"/>
+              <a:t>, </a:t>
+            </a:r>
+            <a:r>
+              <a:rPr lang="ko-KR" altLang="en-US" dirty="0"/>
+              <a:t>상세정보 표시</a:t>
+            </a:r>
+            <a:r>
+              <a:rPr lang="en-US" altLang="ko-KR" dirty="0"/>
+              <a:t>, </a:t>
+            </a:r>
+            <a:r>
+              <a:rPr lang="ko-KR" altLang="en-US" dirty="0"/>
+              <a:t>즐겨찾기 등 까지 완료한 </a:t>
+            </a:r>
+            <a:r>
+              <a:rPr lang="ko-KR" altLang="en-US" dirty="0" err="1"/>
+              <a:t>상태고</a:t>
+            </a:r>
+            <a:r>
+              <a:rPr lang="en-US" altLang="ko-KR" dirty="0"/>
+              <a:t>, </a:t>
+            </a:r>
+            <a:r>
+              <a:rPr lang="ko-KR" altLang="en-US" dirty="0"/>
+              <a:t>이메일 전송도 </a:t>
+            </a:r>
+            <a:r>
+              <a:rPr lang="en-US" altLang="ko-KR" dirty="0"/>
+              <a:t>50%</a:t>
+            </a:r>
+            <a:r>
+              <a:rPr lang="ko-KR" altLang="en-US" dirty="0"/>
+              <a:t>정도 구현이 완료됐습니다</a:t>
+            </a:r>
+            <a:r>
+              <a:rPr lang="en-US" altLang="ko-KR" dirty="0"/>
+              <a:t>.</a:t>
+            </a:r>
+          </a:p>
+          <a:p>
+            <a:r>
+              <a:rPr lang="ko-KR" altLang="en-US" dirty="0"/>
+              <a:t>남은 </a:t>
+            </a:r>
+            <a:r>
+              <a:rPr lang="en-US" altLang="ko-KR" dirty="0"/>
+              <a:t>4, 5</a:t>
+            </a:r>
+            <a:r>
+              <a:rPr lang="ko-KR" altLang="en-US" dirty="0"/>
+              <a:t>주차에는 선택한 충전소까지의 경로를 지도에 표시하는 기능이랑</a:t>
+            </a:r>
+            <a:r>
+              <a:rPr lang="en-US" altLang="ko-KR" dirty="0"/>
+              <a:t>, </a:t>
+            </a:r>
+            <a:r>
+              <a:rPr lang="ko-KR" altLang="en-US" dirty="0"/>
+              <a:t>충전기 정보를 표시 할 수 있도록 할 예정입니다</a:t>
+            </a:r>
+            <a:r>
+              <a:rPr lang="en-US" altLang="ko-KR" dirty="0"/>
+              <a:t>.</a:t>
+            </a:r>
+          </a:p>
+        </p:txBody>
+      </p:sp>
+      <p:sp>
+        <p:nvSpPr>
+          <p:cNvPr id="4" name="슬라이드 번호 개체 틀 3"/>
+          <p:cNvSpPr>
+            <a:spLocks noGrp="1"/>
+          </p:cNvSpPr>
+          <p:nvPr>
+            <p:ph type="sldNum" sz="quarter" idx="5"/>
+          </p:nvPr>
+        </p:nvSpPr>
+        <p:spPr/>
+        <p:txBody>
+          <a:bodyPr/>
+          <a:lstStyle/>
+          <a:p>
+            <a:fld id="{21B3824B-640F-4EC8-9F9A-0A22BE5F8C36}" type="slidenum">
+              <a:rPr lang="ko-KR" altLang="en-US" smtClean="0"/>
+              <a:t>3</a:t>
+            </a:fld>
+            <a:endParaRPr lang="ko-KR" altLang="en-US"/>
+          </a:p>
+        </p:txBody>
+      </p:sp>
+    </p:spTree>
+    <p:extLst>
+      <p:ext uri="{BB962C8B-B14F-4D97-AF65-F5344CB8AC3E}">
         <p14:creationId xmlns:p14="http://schemas.microsoft.com/office/powerpoint/2010/main" val="926786925"/>
+      </p:ext>
+    </p:extLst>
+  </p:cSld>
+  <p:clrMapOvr>
+    <a:masterClrMapping/>
+  </p:clrMapOvr>
+</p:notes>
+</file>
+
+<file path=ppt/notesSlides/notesSlide4.xml><?xml version="1.0" encoding="utf-8"?>
+<p:notes xmlns:a="http://schemas.openxmlformats.org/drawingml/2006/main" xmlns:r="http://schemas.openxmlformats.org/officeDocument/2006/relationships" xmlns:p="http://schemas.openxmlformats.org/presentationml/2006/main">
+  <p:cSld>
+    <p:spTree>
+      <p:nvGrpSpPr>
+        <p:cNvPr id="1" name=""/>
+        <p:cNvGrpSpPr/>
+        <p:nvPr/>
+      </p:nvGrpSpPr>
+      <p:grpSpPr>
+        <a:xfrm>
+          <a:off x="0" y="0"/>
+          <a:ext cx="0" cy="0"/>
+          <a:chOff x="0" y="0"/>
+          <a:chExt cx="0" cy="0"/>
+        </a:xfrm>
+      </p:grpSpPr>
+      <p:sp>
+        <p:nvSpPr>
+          <p:cNvPr id="2" name="슬라이드 이미지 개체 틀 1"/>
+          <p:cNvSpPr>
+            <a:spLocks noGrp="1" noRot="1" noChangeAspect="1"/>
+          </p:cNvSpPr>
+          <p:nvPr>
+            <p:ph type="sldImg"/>
+          </p:nvPr>
+        </p:nvSpPr>
+        <p:spPr/>
+      </p:sp>
+      <p:sp>
+        <p:nvSpPr>
+          <p:cNvPr id="3" name="슬라이드 노트 개체 틀 2"/>
+          <p:cNvSpPr>
+            <a:spLocks noGrp="1"/>
+          </p:cNvSpPr>
+          <p:nvPr>
+            <p:ph type="body" idx="1"/>
+          </p:nvPr>
+        </p:nvSpPr>
+        <p:spPr/>
+        <p:txBody>
+          <a:bodyPr/>
+          <a:lstStyle/>
+          <a:p>
+            <a:r>
+              <a:rPr lang="ko-KR" altLang="en-US" dirty="0" err="1"/>
+              <a:t>커밋</a:t>
+            </a:r>
+            <a:r>
+              <a:rPr lang="ko-KR" altLang="en-US" dirty="0"/>
+              <a:t> 통계는 </a:t>
+            </a:r>
+            <a:r>
+              <a:rPr lang="ko-KR" altLang="en-US" dirty="0" err="1"/>
+              <a:t>이와같습니다</a:t>
+            </a:r>
+            <a:r>
+              <a:rPr lang="en-US" altLang="ko-KR" dirty="0"/>
+              <a:t>.</a:t>
+            </a:r>
+            <a:endParaRPr lang="ko-KR" altLang="en-US" dirty="0"/>
+          </a:p>
+        </p:txBody>
+      </p:sp>
+      <p:sp>
+        <p:nvSpPr>
+          <p:cNvPr id="4" name="슬라이드 번호 개체 틀 3"/>
+          <p:cNvSpPr>
+            <a:spLocks noGrp="1"/>
+          </p:cNvSpPr>
+          <p:nvPr>
+            <p:ph type="sldNum" sz="quarter" idx="5"/>
+          </p:nvPr>
+        </p:nvSpPr>
+        <p:spPr/>
+        <p:txBody>
+          <a:bodyPr/>
+          <a:lstStyle/>
+          <a:p>
+            <a:fld id="{70C66498-A937-4E17-8AB9-436C4B7ED53F}" type="slidenum">
+              <a:rPr lang="ko-KR" altLang="en-US" smtClean="0"/>
+              <a:t>4</a:t>
+            </a:fld>
+            <a:endParaRPr lang="ko-KR" altLang="en-US"/>
+          </a:p>
+        </p:txBody>
+      </p:sp>
+    </p:spTree>
+    <p:extLst>
+      <p:ext uri="{BB962C8B-B14F-4D97-AF65-F5344CB8AC3E}">
+        <p14:creationId xmlns:p14="http://schemas.microsoft.com/office/powerpoint/2010/main" val="3639783634"/>
+      </p:ext>
+    </p:extLst>
+  </p:cSld>
+  <p:clrMapOvr>
+    <a:masterClrMapping/>
+  </p:clrMapOvr>
+</p:notes>
+</file>
+
+<file path=ppt/notesSlides/notesSlide5.xml><?xml version="1.0" encoding="utf-8"?>
+<p:notes xmlns:a="http://schemas.openxmlformats.org/drawingml/2006/main" xmlns:r="http://schemas.openxmlformats.org/officeDocument/2006/relationships" xmlns:p="http://schemas.openxmlformats.org/presentationml/2006/main">
+  <p:cSld>
+    <p:spTree>
+      <p:nvGrpSpPr>
+        <p:cNvPr id="1" name=""/>
+        <p:cNvGrpSpPr/>
+        <p:nvPr/>
+      </p:nvGrpSpPr>
+      <p:grpSpPr>
+        <a:xfrm>
+          <a:off x="0" y="0"/>
+          <a:ext cx="0" cy="0"/>
+          <a:chOff x="0" y="0"/>
+          <a:chExt cx="0" cy="0"/>
+        </a:xfrm>
+      </p:grpSpPr>
+      <p:sp>
+        <p:nvSpPr>
+          <p:cNvPr id="2" name="슬라이드 이미지 개체 틀 1"/>
+          <p:cNvSpPr>
+            <a:spLocks noGrp="1" noRot="1" noChangeAspect="1"/>
+          </p:cNvSpPr>
+          <p:nvPr>
+            <p:ph type="sldImg"/>
+          </p:nvPr>
+        </p:nvSpPr>
+        <p:spPr/>
+      </p:sp>
+      <p:sp>
+        <p:nvSpPr>
+          <p:cNvPr id="3" name="슬라이드 노트 개체 틀 2"/>
+          <p:cNvSpPr>
+            <a:spLocks noGrp="1"/>
+          </p:cNvSpPr>
+          <p:nvPr>
+            <p:ph type="body" idx="1"/>
+          </p:nvPr>
+        </p:nvSpPr>
+        <p:spPr/>
+        <p:txBody>
+          <a:bodyPr/>
+          <a:lstStyle/>
+          <a:p>
+            <a:r>
+              <a:rPr lang="ko-KR" altLang="en-US" dirty="0"/>
+              <a:t>다음은 시연 영상입니다</a:t>
+            </a:r>
+            <a:r>
+              <a:rPr lang="en-US" altLang="ko-KR"/>
+              <a:t>.</a:t>
+            </a:r>
+            <a:endParaRPr lang="ko-KR" altLang="en-US"/>
+          </a:p>
+        </p:txBody>
+      </p:sp>
+      <p:sp>
+        <p:nvSpPr>
+          <p:cNvPr id="4" name="슬라이드 번호 개체 틀 3"/>
+          <p:cNvSpPr>
+            <a:spLocks noGrp="1"/>
+          </p:cNvSpPr>
+          <p:nvPr>
+            <p:ph type="sldNum" sz="quarter" idx="5"/>
+          </p:nvPr>
+        </p:nvSpPr>
+        <p:spPr/>
+        <p:txBody>
+          <a:bodyPr/>
+          <a:lstStyle/>
+          <a:p>
+            <a:fld id="{70C66498-A937-4E17-8AB9-436C4B7ED53F}" type="slidenum">
+              <a:rPr lang="ko-KR" altLang="en-US" smtClean="0"/>
+              <a:t>5</a:t>
+            </a:fld>
+            <a:endParaRPr lang="ko-KR" altLang="en-US"/>
+          </a:p>
+        </p:txBody>
+      </p:sp>
+    </p:spTree>
+    <p:extLst>
+      <p:ext uri="{BB962C8B-B14F-4D97-AF65-F5344CB8AC3E}">
+        <p14:creationId xmlns:p14="http://schemas.microsoft.com/office/powerpoint/2010/main" val="203349352"/>
       </p:ext>
     </p:extLst>
   </p:cSld>
@@ -973,7 +1202,7 @@
           <a:p>
             <a:fld id="{C54A8E84-6740-4F5D-A6B4-A31ACA1E9238}" type="datetimeFigureOut">
               <a:rPr lang="ko-KR" altLang="en-US" smtClean="0"/>
-              <a:t>2024-05-28</a:t>
+              <a:t>2024-05-29</a:t>
             </a:fld>
             <a:endParaRPr lang="ko-KR" altLang="en-US"/>
           </a:p>
@@ -1171,7 +1400,7 @@
           <a:p>
             <a:fld id="{C54A8E84-6740-4F5D-A6B4-A31ACA1E9238}" type="datetimeFigureOut">
               <a:rPr lang="ko-KR" altLang="en-US" smtClean="0"/>
-              <a:t>2024-05-28</a:t>
+              <a:t>2024-05-29</a:t>
             </a:fld>
             <a:endParaRPr lang="ko-KR" altLang="en-US"/>
           </a:p>
@@ -1379,7 +1608,7 @@
           <a:p>
             <a:fld id="{C54A8E84-6740-4F5D-A6B4-A31ACA1E9238}" type="datetimeFigureOut">
               <a:rPr lang="ko-KR" altLang="en-US" smtClean="0"/>
-              <a:t>2024-05-28</a:t>
+              <a:t>2024-05-29</a:t>
             </a:fld>
             <a:endParaRPr lang="ko-KR" altLang="en-US"/>
           </a:p>
@@ -1577,7 +1806,7 @@
           <a:p>
             <a:fld id="{C54A8E84-6740-4F5D-A6B4-A31ACA1E9238}" type="datetimeFigureOut">
               <a:rPr lang="ko-KR" altLang="en-US" smtClean="0"/>
-              <a:t>2024-05-28</a:t>
+              <a:t>2024-05-29</a:t>
             </a:fld>
             <a:endParaRPr lang="ko-KR" altLang="en-US"/>
           </a:p>
@@ -1852,7 +2081,7 @@
           <a:p>
             <a:fld id="{C54A8E84-6740-4F5D-A6B4-A31ACA1E9238}" type="datetimeFigureOut">
               <a:rPr lang="ko-KR" altLang="en-US" smtClean="0"/>
-              <a:t>2024-05-28</a:t>
+              <a:t>2024-05-29</a:t>
             </a:fld>
             <a:endParaRPr lang="ko-KR" altLang="en-US"/>
           </a:p>
@@ -2117,7 +2346,7 @@
           <a:p>
             <a:fld id="{C54A8E84-6740-4F5D-A6B4-A31ACA1E9238}" type="datetimeFigureOut">
               <a:rPr lang="ko-KR" altLang="en-US" smtClean="0"/>
-              <a:t>2024-05-28</a:t>
+              <a:t>2024-05-29</a:t>
             </a:fld>
             <a:endParaRPr lang="ko-KR" altLang="en-US"/>
           </a:p>
@@ -2529,7 +2758,7 @@
           <a:p>
             <a:fld id="{C54A8E84-6740-4F5D-A6B4-A31ACA1E9238}" type="datetimeFigureOut">
               <a:rPr lang="ko-KR" altLang="en-US" smtClean="0"/>
-              <a:t>2024-05-28</a:t>
+              <a:t>2024-05-29</a:t>
             </a:fld>
             <a:endParaRPr lang="ko-KR" altLang="en-US"/>
           </a:p>
@@ -2670,7 +2899,7 @@
           <a:p>
             <a:fld id="{C54A8E84-6740-4F5D-A6B4-A31ACA1E9238}" type="datetimeFigureOut">
               <a:rPr lang="ko-KR" altLang="en-US" smtClean="0"/>
-              <a:t>2024-05-28</a:t>
+              <a:t>2024-05-29</a:t>
             </a:fld>
             <a:endParaRPr lang="ko-KR" altLang="en-US"/>
           </a:p>
@@ -2783,7 +3012,7 @@
           <a:p>
             <a:fld id="{C54A8E84-6740-4F5D-A6B4-A31ACA1E9238}" type="datetimeFigureOut">
               <a:rPr lang="ko-KR" altLang="en-US" smtClean="0"/>
-              <a:t>2024-05-28</a:t>
+              <a:t>2024-05-29</a:t>
             </a:fld>
             <a:endParaRPr lang="ko-KR" altLang="en-US"/>
           </a:p>
@@ -3094,7 +3323,7 @@
           <a:p>
             <a:fld id="{C54A8E84-6740-4F5D-A6B4-A31ACA1E9238}" type="datetimeFigureOut">
               <a:rPr lang="ko-KR" altLang="en-US" smtClean="0"/>
-              <a:t>2024-05-28</a:t>
+              <a:t>2024-05-29</a:t>
             </a:fld>
             <a:endParaRPr lang="ko-KR" altLang="en-US"/>
           </a:p>
@@ -3382,7 +3611,7 @@
           <a:p>
             <a:fld id="{C54A8E84-6740-4F5D-A6B4-A31ACA1E9238}" type="datetimeFigureOut">
               <a:rPr lang="ko-KR" altLang="en-US" smtClean="0"/>
-              <a:t>2024-05-28</a:t>
+              <a:t>2024-05-29</a:t>
             </a:fld>
             <a:endParaRPr lang="ko-KR" altLang="en-US"/>
           </a:p>
@@ -3623,7 +3852,7 @@
           <a:p>
             <a:fld id="{C54A8E84-6740-4F5D-A6B4-A31ACA1E9238}" type="datetimeFigureOut">
               <a:rPr lang="ko-KR" altLang="en-US" smtClean="0"/>
-              <a:t>2024-05-28</a:t>
+              <a:t>2024-05-29</a:t>
             </a:fld>
             <a:endParaRPr lang="ko-KR" altLang="en-US"/>
           </a:p>
@@ -4144,6 +4373,176 @@
           <p:cNvPr id="2" name="제목 1">
             <a:extLst>
               <a:ext uri="{FF2B5EF4-FFF2-40B4-BE49-F238E27FC236}">
+                <a16:creationId xmlns:a16="http://schemas.microsoft.com/office/drawing/2014/main" id="{7E5B069C-6FE1-FC79-DDC1-70934520C0DA}"/>
+              </a:ext>
+            </a:extLst>
+          </p:cNvPr>
+          <p:cNvSpPr>
+            <a:spLocks noGrp="1"/>
+          </p:cNvSpPr>
+          <p:nvPr>
+            <p:ph type="title"/>
+          </p:nvPr>
+        </p:nvSpPr>
+        <p:spPr/>
+        <p:txBody>
+          <a:bodyPr/>
+          <a:lstStyle/>
+          <a:p>
+            <a:r>
+              <a:rPr lang="ko-KR" altLang="en-US" dirty="0"/>
+              <a:t>사용 </a:t>
+            </a:r>
+            <a:r>
+              <a:rPr lang="en-US" altLang="ko-KR" dirty="0"/>
+              <a:t>API</a:t>
+            </a:r>
+            <a:endParaRPr lang="ko-KR" altLang="en-US" dirty="0"/>
+          </a:p>
+        </p:txBody>
+      </p:sp>
+      <p:pic>
+        <p:nvPicPr>
+          <p:cNvPr id="5" name="내용 개체 틀 4" descr="그래픽, 로고, 폰트, 그래픽 디자인이(가) 표시된 사진&#10;&#10;자동 생성된 설명">
+            <a:extLst>
+              <a:ext uri="{FF2B5EF4-FFF2-40B4-BE49-F238E27FC236}">
+                <a16:creationId xmlns:a16="http://schemas.microsoft.com/office/drawing/2014/main" id="{D75EFB26-DE96-3737-6DCB-1FE678C4CC12}"/>
+              </a:ext>
+            </a:extLst>
+          </p:cNvPr>
+          <p:cNvPicPr>
+            <a:picLocks noGrp="1" noChangeAspect="1"/>
+          </p:cNvPicPr>
+          <p:nvPr>
+            <p:ph idx="1"/>
+          </p:nvPr>
+        </p:nvPicPr>
+        <p:blipFill>
+          <a:blip r:embed="rId3">
+            <a:extLst>
+              <a:ext uri="{28A0092B-C50C-407E-A947-70E740481C1C}">
+                <a14:useLocalDpi xmlns:a14="http://schemas.microsoft.com/office/drawing/2010/main" val="0"/>
+              </a:ext>
+            </a:extLst>
+          </a:blip>
+          <a:stretch>
+            <a:fillRect/>
+          </a:stretch>
+        </p:blipFill>
+        <p:spPr>
+          <a:xfrm>
+            <a:off x="5806550" y="2726649"/>
+            <a:ext cx="5301536" cy="2776680"/>
+          </a:xfrm>
+        </p:spPr>
+      </p:pic>
+      <p:pic>
+        <p:nvPicPr>
+          <p:cNvPr id="7" name="그림 6" descr="텍스트, 폰트, 스크린샷, 라인이(가) 표시된 사진&#10;&#10;자동 생성된 설명">
+            <a:extLst>
+              <a:ext uri="{FF2B5EF4-FFF2-40B4-BE49-F238E27FC236}">
+                <a16:creationId xmlns:a16="http://schemas.microsoft.com/office/drawing/2014/main" id="{C082D397-05BD-AE8D-469E-104432D4FB32}"/>
+              </a:ext>
+            </a:extLst>
+          </p:cNvPr>
+          <p:cNvPicPr>
+            <a:picLocks noChangeAspect="1"/>
+          </p:cNvPicPr>
+          <p:nvPr/>
+        </p:nvPicPr>
+        <p:blipFill>
+          <a:blip r:embed="rId4">
+            <a:extLst>
+              <a:ext uri="{28A0092B-C50C-407E-A947-70E740481C1C}">
+                <a14:useLocalDpi xmlns:a14="http://schemas.microsoft.com/office/drawing/2010/main" val="0"/>
+              </a:ext>
+            </a:extLst>
+          </a:blip>
+          <a:stretch>
+            <a:fillRect/>
+          </a:stretch>
+        </p:blipFill>
+        <p:spPr>
+          <a:xfrm>
+            <a:off x="1225105" y="4238014"/>
+            <a:ext cx="4702048" cy="1097145"/>
+          </a:xfrm>
+          <a:prstGeom prst="rect">
+            <a:avLst/>
+          </a:prstGeom>
+        </p:spPr>
+      </p:pic>
+      <p:pic>
+        <p:nvPicPr>
+          <p:cNvPr id="9" name="그림 8" descr="텍스트, 폰트, 스크린샷이(가) 표시된 사진&#10;&#10;자동 생성된 설명">
+            <a:extLst>
+              <a:ext uri="{FF2B5EF4-FFF2-40B4-BE49-F238E27FC236}">
+                <a16:creationId xmlns:a16="http://schemas.microsoft.com/office/drawing/2014/main" id="{6FADBBF3-B018-89F3-208C-D592F5BCF91B}"/>
+              </a:ext>
+            </a:extLst>
+          </p:cNvPr>
+          <p:cNvPicPr>
+            <a:picLocks noChangeAspect="1"/>
+          </p:cNvPicPr>
+          <p:nvPr/>
+        </p:nvPicPr>
+        <p:blipFill>
+          <a:blip r:embed="rId5">
+            <a:extLst>
+              <a:ext uri="{28A0092B-C50C-407E-A947-70E740481C1C}">
+                <a14:useLocalDpi xmlns:a14="http://schemas.microsoft.com/office/drawing/2010/main" val="0"/>
+              </a:ext>
+            </a:extLst>
+          </a:blip>
+          <a:stretch>
+            <a:fillRect/>
+          </a:stretch>
+        </p:blipFill>
+        <p:spPr>
+          <a:xfrm>
+            <a:off x="1225105" y="1922161"/>
+            <a:ext cx="6717211" cy="1097144"/>
+          </a:xfrm>
+          <a:prstGeom prst="rect">
+            <a:avLst/>
+          </a:prstGeom>
+        </p:spPr>
+      </p:pic>
+    </p:spTree>
+    <p:extLst>
+      <p:ext uri="{BB962C8B-B14F-4D97-AF65-F5344CB8AC3E}">
+        <p14:creationId xmlns:p14="http://schemas.microsoft.com/office/powerpoint/2010/main" val="1175041128"/>
+      </p:ext>
+    </p:extLst>
+  </p:cSld>
+  <p:clrMapOvr>
+    <a:masterClrMapping/>
+  </p:clrMapOvr>
+</p:sld>
+</file>
+
+<file path=ppt/slides/slide3.xml><?xml version="1.0" encoding="utf-8"?>
+<p:sld xmlns:a="http://schemas.openxmlformats.org/drawingml/2006/main" xmlns:r="http://schemas.openxmlformats.org/officeDocument/2006/relationships" xmlns:p="http://schemas.openxmlformats.org/presentationml/2006/main">
+  <p:cSld>
+    <p:spTree>
+      <p:nvGrpSpPr>
+        <p:cNvPr id="1" name=""/>
+        <p:cNvGrpSpPr/>
+        <p:nvPr/>
+      </p:nvGrpSpPr>
+      <p:grpSpPr>
+        <a:xfrm>
+          <a:off x="0" y="0"/>
+          <a:ext cx="0" cy="0"/>
+          <a:chOff x="0" y="0"/>
+          <a:chExt cx="0" cy="0"/>
+        </a:xfrm>
+      </p:grpSpPr>
+      <p:sp>
+        <p:nvSpPr>
+          <p:cNvPr id="2" name="제목 1">
+            <a:extLst>
+              <a:ext uri="{FF2B5EF4-FFF2-40B4-BE49-F238E27FC236}">
                 <a16:creationId xmlns:a16="http://schemas.microsoft.com/office/drawing/2014/main" id="{449E2F91-BC41-D362-2E01-338079967FD0}"/>
               </a:ext>
             </a:extLst>
@@ -4183,7 +4582,7 @@
             <p:ph idx="1"/>
             <p:extLst>
               <p:ext uri="{D42A27DB-BD31-4B8C-83A1-F6EECF244321}">
-                <p14:modId xmlns:p14="http://schemas.microsoft.com/office/powerpoint/2010/main" val="3305227292"/>
+                <p14:modId xmlns:p14="http://schemas.microsoft.com/office/powerpoint/2010/main" val="813768275"/>
               </p:ext>
             </p:extLst>
           </p:nvPr>
@@ -4549,6 +4948,14 @@
                       </a:r>
                       <a:r>
                         <a:rPr lang="en-US" altLang="ko-KR" dirty="0"/>
+                        <a:t>, </a:t>
+                      </a:r>
+                      <a:r>
+                        <a:rPr lang="ko-KR" altLang="en-US" dirty="0"/>
+                        <a:t>상세정보</a:t>
+                      </a:r>
+                      <a:r>
+                        <a:rPr lang="en-US" altLang="ko-KR" dirty="0"/>
                         <a:t>,</a:t>
                       </a:r>
                     </a:p>
@@ -4556,7 +4963,7 @@
                       <a:pPr algn="ctr" latinLnBrk="1"/>
                       <a:r>
                         <a:rPr lang="ko-KR" altLang="en-US" dirty="0"/>
-                        <a:t>상세정보</a:t>
+                        <a:t>이메일</a:t>
                       </a:r>
                     </a:p>
                   </a:txBody>
@@ -4599,6 +5006,15 @@
                         <a:rPr lang="ko-KR" altLang="en-US" dirty="0"/>
                         <a:t>상세정보 표시</a:t>
                       </a:r>
+                      <a:r>
+                        <a:rPr lang="en-US" altLang="ko-KR" dirty="0"/>
+                        <a:t>, </a:t>
+                      </a:r>
+                      <a:r>
+                        <a:rPr lang="ko-KR" altLang="en-US"/>
+                        <a:t>이메일 전송</a:t>
+                      </a:r>
+                      <a:endParaRPr lang="ko-KR" altLang="en-US" dirty="0"/>
                     </a:p>
                   </a:txBody>
                   <a:tcPr/>
@@ -4610,8 +5026,8 @@
                     <a:p>
                       <a:pPr algn="ctr" latinLnBrk="1"/>
                       <a:r>
-                        <a:rPr lang="en-US" altLang="ko-KR" b="1"/>
-                        <a:t>100%</a:t>
+                        <a:rPr lang="en-US" altLang="ko-KR" b="1" dirty="0"/>
+                        <a:t>90%</a:t>
                       </a:r>
                       <a:endParaRPr lang="ko-KR" altLang="en-US" b="1" dirty="0"/>
                     </a:p>
@@ -4742,17 +5158,6 @@
                       <a:pPr algn="ctr" latinLnBrk="1"/>
                       <a:r>
                         <a:rPr lang="ko-KR" altLang="en-US" dirty="0"/>
-                        <a:t>이메일</a:t>
-                      </a:r>
-                      <a:r>
-                        <a:rPr lang="en-US" altLang="ko-KR" dirty="0"/>
-                        <a:t>,</a:t>
-                      </a:r>
-                    </a:p>
-                    <a:p>
-                      <a:pPr algn="ctr" latinLnBrk="1"/>
-                      <a:r>
-                        <a:rPr lang="ko-KR" altLang="en-US" dirty="0"/>
                         <a:t>마무리</a:t>
                       </a:r>
                     </a:p>
@@ -4765,14 +5170,6 @@
                     <a:lstStyle/>
                     <a:p>
                       <a:pPr latinLnBrk="1"/>
-                      <a:r>
-                        <a:rPr lang="ko-KR" altLang="en-US" dirty="0"/>
-                        <a:t>이메일 전송</a:t>
-                      </a:r>
-                      <a:r>
-                        <a:rPr lang="en-US" altLang="ko-KR" dirty="0"/>
-                        <a:t>, </a:t>
-                      </a:r>
                       <a:r>
                         <a:rPr lang="ko-KR" altLang="en-US" dirty="0"/>
                         <a:t>그 외 필요시 새로운 기능 추가</a:t>
@@ -4815,7 +5212,7 @@
 </p:sld>
 </file>
 
-<file path=ppt/slides/slide3.xml><?xml version="1.0" encoding="utf-8"?>
+<file path=ppt/slides/slide4.xml><?xml version="1.0" encoding="utf-8"?>
 <p:sld xmlns:a="http://schemas.openxmlformats.org/drawingml/2006/main" xmlns:r="http://schemas.openxmlformats.org/officeDocument/2006/relationships" xmlns:p="http://schemas.openxmlformats.org/presentationml/2006/main">
   <p:cSld>
     <p:spTree>
@@ -4861,31 +5258,41 @@
           </a:p>
         </p:txBody>
       </p:sp>
-      <p:sp>
-        <p:nvSpPr>
-          <p:cNvPr id="3" name="내용 개체 틀 2">
-            <a:extLst>
-              <a:ext uri="{FF2B5EF4-FFF2-40B4-BE49-F238E27FC236}">
-                <a16:creationId xmlns:a16="http://schemas.microsoft.com/office/drawing/2014/main" id="{9CA8464A-1002-8B69-11FE-4303E80F742E}"/>
-              </a:ext>
-            </a:extLst>
-          </p:cNvPr>
-          <p:cNvSpPr>
-            <a:spLocks noGrp="1"/>
-          </p:cNvSpPr>
+      <p:pic>
+        <p:nvPicPr>
+          <p:cNvPr id="5" name="내용 개체 틀 4" descr="스크린샷, 라인, 도표, 그래프이(가) 표시된 사진&#10;&#10;자동 생성된 설명">
+            <a:extLst>
+              <a:ext uri="{FF2B5EF4-FFF2-40B4-BE49-F238E27FC236}">
+                <a16:creationId xmlns:a16="http://schemas.microsoft.com/office/drawing/2014/main" id="{AFC7293C-8CA1-1478-AEC6-7D83E9AA6CE2}"/>
+              </a:ext>
+            </a:extLst>
+          </p:cNvPr>
+          <p:cNvPicPr>
+            <a:picLocks noGrp="1" noChangeAspect="1"/>
+          </p:cNvPicPr>
           <p:nvPr>
             <p:ph idx="1"/>
           </p:nvPr>
-        </p:nvSpPr>
-        <p:spPr/>
-        <p:txBody>
-          <a:bodyPr/>
-          <a:lstStyle/>
-          <a:p>
-            <a:endParaRPr lang="ko-KR" altLang="en-US" dirty="0"/>
-          </a:p>
-        </p:txBody>
-      </p:sp>
+        </p:nvPicPr>
+        <p:blipFill>
+          <a:blip r:embed="rId3">
+            <a:extLst>
+              <a:ext uri="{28A0092B-C50C-407E-A947-70E740481C1C}">
+                <a14:useLocalDpi xmlns:a14="http://schemas.microsoft.com/office/drawing/2010/main" val="0"/>
+              </a:ext>
+            </a:extLst>
+          </a:blip>
+          <a:stretch>
+            <a:fillRect/>
+          </a:stretch>
+        </p:blipFill>
+        <p:spPr>
+          <a:xfrm>
+            <a:off x="2365694" y="1825625"/>
+            <a:ext cx="7460612" cy="4351338"/>
+          </a:xfrm>
+        </p:spPr>
+      </p:pic>
     </p:spTree>
     <p:extLst>
       <p:ext uri="{BB962C8B-B14F-4D97-AF65-F5344CB8AC3E}">
@@ -4899,7 +5306,7 @@
 </p:sld>
 </file>
 
-<file path=ppt/slides/slide4.xml><?xml version="1.0" encoding="utf-8"?>
+<file path=ppt/slides/slide5.xml><?xml version="1.0" encoding="utf-8"?>
 <p:sld xmlns:a="http://schemas.openxmlformats.org/drawingml/2006/main" xmlns:r="http://schemas.openxmlformats.org/officeDocument/2006/relationships" xmlns:p="http://schemas.openxmlformats.org/presentationml/2006/main">
   <p:cSld>
     <p:spTree>

--- a/docs/스크립트언어_텀프로젝트_중간발표.pptx
+++ b/docs/스크립트언어_텀프로젝트_중간발표.pptx
@@ -513,16 +513,12 @@
           <a:lstStyle/>
           <a:p>
             <a:r>
+              <a:rPr lang="ko-KR" altLang="en-US"/>
+              <a:t>스크립트언어 중간발표 </a:t>
+            </a:r>
+            <a:r>
               <a:rPr lang="ko-KR" altLang="en-US" dirty="0"/>
-              <a:t>스크립트언어 </a:t>
-            </a:r>
-            <a:r>
-              <a:rPr lang="ko-KR" altLang="en-US" dirty="0" err="1"/>
-              <a:t>텀프로젝트</a:t>
-            </a:r>
-            <a:r>
-              <a:rPr lang="ko-KR" altLang="en-US" dirty="0"/>
-              <a:t> 기획발표 시작하겠습니다</a:t>
+              <a:t>시작하겠습니다</a:t>
             </a:r>
           </a:p>
         </p:txBody>

--- a/docs/스크립트언어_텀프로젝트_중간발표.pptx
+++ b/docs/스크립트언어_텀프로젝트_중간발표.pptx
@@ -201,7 +201,7 @@
           <a:p>
             <a:fld id="{8CA61F9F-6888-4802-A2C7-1E67DFEB703B}" type="datetimeFigureOut">
               <a:rPr lang="ko-KR" altLang="en-US" smtClean="0"/>
-              <a:t>2024-05-29</a:t>
+              <a:t>2024-06-05</a:t>
             </a:fld>
             <a:endParaRPr lang="ko-KR" altLang="en-US"/>
           </a:p>
@@ -1198,7 +1198,7 @@
           <a:p>
             <a:fld id="{C54A8E84-6740-4F5D-A6B4-A31ACA1E9238}" type="datetimeFigureOut">
               <a:rPr lang="ko-KR" altLang="en-US" smtClean="0"/>
-              <a:t>2024-05-29</a:t>
+              <a:t>2024-06-05</a:t>
             </a:fld>
             <a:endParaRPr lang="ko-KR" altLang="en-US"/>
           </a:p>
@@ -1396,7 +1396,7 @@
           <a:p>
             <a:fld id="{C54A8E84-6740-4F5D-A6B4-A31ACA1E9238}" type="datetimeFigureOut">
               <a:rPr lang="ko-KR" altLang="en-US" smtClean="0"/>
-              <a:t>2024-05-29</a:t>
+              <a:t>2024-06-05</a:t>
             </a:fld>
             <a:endParaRPr lang="ko-KR" altLang="en-US"/>
           </a:p>
@@ -1604,7 +1604,7 @@
           <a:p>
             <a:fld id="{C54A8E84-6740-4F5D-A6B4-A31ACA1E9238}" type="datetimeFigureOut">
               <a:rPr lang="ko-KR" altLang="en-US" smtClean="0"/>
-              <a:t>2024-05-29</a:t>
+              <a:t>2024-06-05</a:t>
             </a:fld>
             <a:endParaRPr lang="ko-KR" altLang="en-US"/>
           </a:p>
@@ -1802,7 +1802,7 @@
           <a:p>
             <a:fld id="{C54A8E84-6740-4F5D-A6B4-A31ACA1E9238}" type="datetimeFigureOut">
               <a:rPr lang="ko-KR" altLang="en-US" smtClean="0"/>
-              <a:t>2024-05-29</a:t>
+              <a:t>2024-06-05</a:t>
             </a:fld>
             <a:endParaRPr lang="ko-KR" altLang="en-US"/>
           </a:p>
@@ -2077,7 +2077,7 @@
           <a:p>
             <a:fld id="{C54A8E84-6740-4F5D-A6B4-A31ACA1E9238}" type="datetimeFigureOut">
               <a:rPr lang="ko-KR" altLang="en-US" smtClean="0"/>
-              <a:t>2024-05-29</a:t>
+              <a:t>2024-06-05</a:t>
             </a:fld>
             <a:endParaRPr lang="ko-KR" altLang="en-US"/>
           </a:p>
@@ -2342,7 +2342,7 @@
           <a:p>
             <a:fld id="{C54A8E84-6740-4F5D-A6B4-A31ACA1E9238}" type="datetimeFigureOut">
               <a:rPr lang="ko-KR" altLang="en-US" smtClean="0"/>
-              <a:t>2024-05-29</a:t>
+              <a:t>2024-06-05</a:t>
             </a:fld>
             <a:endParaRPr lang="ko-KR" altLang="en-US"/>
           </a:p>
@@ -2754,7 +2754,7 @@
           <a:p>
             <a:fld id="{C54A8E84-6740-4F5D-A6B4-A31ACA1E9238}" type="datetimeFigureOut">
               <a:rPr lang="ko-KR" altLang="en-US" smtClean="0"/>
-              <a:t>2024-05-29</a:t>
+              <a:t>2024-06-05</a:t>
             </a:fld>
             <a:endParaRPr lang="ko-KR" altLang="en-US"/>
           </a:p>
@@ -2895,7 +2895,7 @@
           <a:p>
             <a:fld id="{C54A8E84-6740-4F5D-A6B4-A31ACA1E9238}" type="datetimeFigureOut">
               <a:rPr lang="ko-KR" altLang="en-US" smtClean="0"/>
-              <a:t>2024-05-29</a:t>
+              <a:t>2024-06-05</a:t>
             </a:fld>
             <a:endParaRPr lang="ko-KR" altLang="en-US"/>
           </a:p>
@@ -3008,7 +3008,7 @@
           <a:p>
             <a:fld id="{C54A8E84-6740-4F5D-A6B4-A31ACA1E9238}" type="datetimeFigureOut">
               <a:rPr lang="ko-KR" altLang="en-US" smtClean="0"/>
-              <a:t>2024-05-29</a:t>
+              <a:t>2024-06-05</a:t>
             </a:fld>
             <a:endParaRPr lang="ko-KR" altLang="en-US"/>
           </a:p>
@@ -3319,7 +3319,7 @@
           <a:p>
             <a:fld id="{C54A8E84-6740-4F5D-A6B4-A31ACA1E9238}" type="datetimeFigureOut">
               <a:rPr lang="ko-KR" altLang="en-US" smtClean="0"/>
-              <a:t>2024-05-29</a:t>
+              <a:t>2024-06-05</a:t>
             </a:fld>
             <a:endParaRPr lang="ko-KR" altLang="en-US"/>
           </a:p>
@@ -3607,7 +3607,7 @@
           <a:p>
             <a:fld id="{C54A8E84-6740-4F5D-A6B4-A31ACA1E9238}" type="datetimeFigureOut">
               <a:rPr lang="ko-KR" altLang="en-US" smtClean="0"/>
-              <a:t>2024-05-29</a:t>
+              <a:t>2024-06-05</a:t>
             </a:fld>
             <a:endParaRPr lang="ko-KR" altLang="en-US"/>
           </a:p>
@@ -3848,7 +3848,7 @@
           <a:p>
             <a:fld id="{C54A8E84-6740-4F5D-A6B4-A31ACA1E9238}" type="datetimeFigureOut">
               <a:rPr lang="ko-KR" altLang="en-US" smtClean="0"/>
-              <a:t>2024-05-29</a:t>
+              <a:t>2024-06-05</a:t>
             </a:fld>
             <a:endParaRPr lang="ko-KR" altLang="en-US"/>
           </a:p>
@@ -4578,7 +4578,7 @@
             <p:ph idx="1"/>
             <p:extLst>
               <p:ext uri="{D42A27DB-BD31-4B8C-83A1-F6EECF244321}">
-                <p14:modId xmlns:p14="http://schemas.microsoft.com/office/powerpoint/2010/main" val="813768275"/>
+                <p14:modId xmlns:p14="http://schemas.microsoft.com/office/powerpoint/2010/main" val="3035607942"/>
               </p:ext>
             </p:extLst>
           </p:nvPr>
@@ -5022,8 +5022,20 @@
                     <a:p>
                       <a:pPr algn="ctr" latinLnBrk="1"/>
                       <a:r>
+                        <a:rPr lang="en-US" altLang="ko-KR" b="1"/>
+                        <a:t>1</a:t>
+                      </a:r>
+                      <a:r>
                         <a:rPr lang="en-US" altLang="ko-KR" b="1" dirty="0"/>
-                        <a:t>90%</a:t>
+                        <a:t>0</a:t>
+                      </a:r>
+                      <a:r>
+                        <a:rPr lang="en-US" altLang="ko-KR" b="1"/>
+                        <a:t>0</a:t>
+                      </a:r>
+                      <a:r>
+                        <a:rPr lang="en-US" altLang="ko-KR" b="1" dirty="0"/>
+                        <a:t>%</a:t>
                       </a:r>
                       <a:endParaRPr lang="ko-KR" altLang="en-US" b="1" dirty="0"/>
                     </a:p>
